--- a/기획서/Slide Puzzle Battle Tutorial.pptx
+++ b/기획서/Slide Puzzle Battle Tutorial.pptx
@@ -3225,7 +3225,6 @@
               <a:rPr lang="en-US" altLang="ko-KR" sz="1000" smtClean="0"/>
               <a:t>.</a:t>
             </a:r>
-            <a:endParaRPr lang="en-US" altLang="ko-KR" sz="1000" smtClean="0"/>
           </a:p>
         </p:txBody>
       </p:sp>
@@ -4365,8 +4364,8 @@
         </p:nvSpPr>
         <p:spPr>
           <a:xfrm>
-            <a:off x="2659291" y="1603325"/>
-            <a:ext cx="1936749" cy="400110"/>
+            <a:off x="2676123" y="1603325"/>
+            <a:ext cx="1903085" cy="400110"/>
           </a:xfrm>
           <a:prstGeom prst="rect">
             <a:avLst/>
@@ -4386,7 +4385,31 @@
                   <a:schemeClr val="bg1"/>
                 </a:solidFill>
               </a:rPr>
-              <a:t>공격을 통해 몬스터의 체력이 </a:t>
+              <a:t>몬스터는 공격에 </a:t>
+            </a:r>
+            <a:r>
+              <a:rPr lang="ko-KR" altLang="en-US" sz="1000" b="1" smtClean="0">
+                <a:solidFill>
+                  <a:schemeClr val="bg1"/>
+                </a:solidFill>
+              </a:rPr>
+              <a:t>의</a:t>
+            </a:r>
+            <a:r>
+              <a:rPr lang="ko-KR" altLang="en-US" sz="1000" b="1" smtClean="0">
+                <a:solidFill>
+                  <a:schemeClr val="bg1"/>
+                </a:solidFill>
+              </a:rPr>
+              <a:t>해 </a:t>
+            </a:r>
+            <a:r>
+              <a:rPr lang="ko-KR" altLang="en-US" sz="1000" b="1" smtClean="0">
+                <a:solidFill>
+                  <a:schemeClr val="bg1"/>
+                </a:solidFill>
+              </a:rPr>
+              <a:t>체력이 </a:t>
             </a:r>
             <a:endParaRPr lang="en-US" altLang="ko-KR" sz="1000" b="1" smtClean="0">
               <a:solidFill>
@@ -4467,7 +4490,7 @@
         </p:blipFill>
         <p:spPr bwMode="auto">
           <a:xfrm>
-            <a:off x="3408453" y="2219640"/>
+            <a:off x="3408453" y="2382522"/>
             <a:ext cx="438425" cy="438425"/>
           </a:xfrm>
           <a:prstGeom prst="rect">
@@ -4508,7 +4531,7 @@
         </p:blipFill>
         <p:spPr bwMode="auto">
           <a:xfrm>
-            <a:off x="2865196" y="2219641"/>
+            <a:off x="2865196" y="2382523"/>
             <a:ext cx="438425" cy="438425"/>
           </a:xfrm>
           <a:prstGeom prst="rect">
@@ -4549,7 +4572,7 @@
         </p:blipFill>
         <p:spPr bwMode="auto">
           <a:xfrm>
-            <a:off x="3958386" y="2222101"/>
+            <a:off x="3958386" y="2384983"/>
             <a:ext cx="438425" cy="438425"/>
           </a:xfrm>
           <a:prstGeom prst="rect">
@@ -4575,7 +4598,7 @@
         </p:nvSpPr>
         <p:spPr>
           <a:xfrm>
-            <a:off x="2721007" y="2718966"/>
+            <a:off x="2721007" y="2881848"/>
             <a:ext cx="1813317" cy="553998"/>
           </a:xfrm>
           <a:prstGeom prst="rect">
@@ -8391,7 +8414,7 @@
         </p:blipFill>
         <p:spPr bwMode="auto">
           <a:xfrm>
-            <a:off x="127874" y="1098060"/>
+            <a:off x="127874" y="1131590"/>
             <a:ext cx="2190750" cy="666750"/>
           </a:xfrm>
           <a:prstGeom prst="rect">
@@ -8417,7 +8440,7 @@
         </p:nvSpPr>
         <p:spPr>
           <a:xfrm>
-            <a:off x="80958" y="1865697"/>
+            <a:off x="80958" y="1899227"/>
             <a:ext cx="2284600" cy="246221"/>
           </a:xfrm>
           <a:prstGeom prst="rect">
@@ -8448,6 +8471,790 @@
               </a:rPr>
               <a:t>!</a:t>
             </a:r>
+          </a:p>
+        </p:txBody>
+      </p:sp>
+      <p:grpSp>
+        <p:nvGrpSpPr>
+          <p:cNvPr id="16" name="그룹 15"/>
+          <p:cNvGrpSpPr/>
+          <p:nvPr/>
+        </p:nvGrpSpPr>
+        <p:grpSpPr>
+          <a:xfrm>
+            <a:off x="3276073" y="1131590"/>
+            <a:ext cx="674678" cy="465448"/>
+            <a:chOff x="36650" y="5123167"/>
+            <a:chExt cx="674678" cy="465448"/>
+          </a:xfrm>
+        </p:grpSpPr>
+        <p:sp>
+          <p:nvSpPr>
+            <p:cNvPr id="17" name="양쪽 모서리가 둥근 사각형 16"/>
+            <p:cNvSpPr/>
+            <p:nvPr/>
+          </p:nvSpPr>
+          <p:spPr>
+            <a:xfrm>
+              <a:off x="103932" y="5123167"/>
+              <a:ext cx="607396" cy="447768"/>
+            </a:xfrm>
+            <a:prstGeom prst="round2SameRect">
+              <a:avLst/>
+            </a:prstGeom>
+            <a:solidFill>
+              <a:srgbClr val="24CECA"/>
+            </a:solidFill>
+            <a:ln w="19050">
+              <a:solidFill>
+                <a:schemeClr val="tx1"/>
+              </a:solidFill>
+            </a:ln>
+          </p:spPr>
+          <p:style>
+            <a:lnRef idx="2">
+              <a:schemeClr val="accent1">
+                <a:shade val="50000"/>
+              </a:schemeClr>
+            </a:lnRef>
+            <a:fillRef idx="1">
+              <a:schemeClr val="accent1"/>
+            </a:fillRef>
+            <a:effectRef idx="0">
+              <a:schemeClr val="accent1"/>
+            </a:effectRef>
+            <a:fontRef idx="minor">
+              <a:schemeClr val="lt1"/>
+            </a:fontRef>
+          </p:style>
+          <p:txBody>
+            <a:bodyPr rtlCol="0" anchor="ctr"/>
+            <a:lstStyle/>
+            <a:p>
+              <a:pPr algn="ctr"/>
+              <a:endParaRPr lang="ko-KR" altLang="en-US"/>
+            </a:p>
+          </p:txBody>
+        </p:sp>
+        <p:sp>
+          <p:nvSpPr>
+            <p:cNvPr id="18" name="양쪽 모서리가 둥근 사각형 17"/>
+            <p:cNvSpPr/>
+            <p:nvPr/>
+          </p:nvSpPr>
+          <p:spPr>
+            <a:xfrm>
+              <a:off x="103932" y="5377171"/>
+              <a:ext cx="607396" cy="191326"/>
+            </a:xfrm>
+            <a:prstGeom prst="round2SameRect">
+              <a:avLst/>
+            </a:prstGeom>
+            <a:solidFill>
+              <a:srgbClr val="1FB3AF"/>
+            </a:solidFill>
+            <a:ln w="19050">
+              <a:solidFill>
+                <a:schemeClr val="tx1"/>
+              </a:solidFill>
+            </a:ln>
+          </p:spPr>
+          <p:style>
+            <a:lnRef idx="2">
+              <a:schemeClr val="accent1">
+                <a:shade val="50000"/>
+              </a:schemeClr>
+            </a:lnRef>
+            <a:fillRef idx="1">
+              <a:schemeClr val="accent1"/>
+            </a:fillRef>
+            <a:effectRef idx="0">
+              <a:schemeClr val="accent1"/>
+            </a:effectRef>
+            <a:fontRef idx="minor">
+              <a:schemeClr val="lt1"/>
+            </a:fontRef>
+          </p:style>
+          <p:txBody>
+            <a:bodyPr rtlCol="0" anchor="ctr"/>
+            <a:lstStyle/>
+            <a:p>
+              <a:pPr algn="ctr"/>
+              <a:endParaRPr lang="ko-KR" altLang="en-US">
+                <a:solidFill>
+                  <a:srgbClr val="198F8C"/>
+                </a:solidFill>
+              </a:endParaRPr>
+            </a:p>
+          </p:txBody>
+        </p:sp>
+        <p:sp>
+          <p:nvSpPr>
+            <p:cNvPr id="19" name="십자형 18"/>
+            <p:cNvSpPr/>
+            <p:nvPr/>
+          </p:nvSpPr>
+          <p:spPr>
+            <a:xfrm>
+              <a:off x="541749" y="5405828"/>
+              <a:ext cx="134012" cy="134012"/>
+            </a:xfrm>
+            <a:prstGeom prst="plus">
+              <a:avLst>
+                <a:gd name="adj" fmla="val 38077"/>
+              </a:avLst>
+            </a:prstGeom>
+            <a:solidFill>
+              <a:schemeClr val="bg1"/>
+            </a:solidFill>
+            <a:ln w="6350">
+              <a:solidFill>
+                <a:schemeClr val="tx1"/>
+              </a:solidFill>
+            </a:ln>
+          </p:spPr>
+          <p:style>
+            <a:lnRef idx="2">
+              <a:schemeClr val="accent1">
+                <a:shade val="50000"/>
+              </a:schemeClr>
+            </a:lnRef>
+            <a:fillRef idx="1">
+              <a:schemeClr val="accent1"/>
+            </a:fillRef>
+            <a:effectRef idx="0">
+              <a:schemeClr val="accent1"/>
+            </a:effectRef>
+            <a:fontRef idx="minor">
+              <a:schemeClr val="lt1"/>
+            </a:fontRef>
+          </p:style>
+          <p:txBody>
+            <a:bodyPr rtlCol="0" anchor="ctr"/>
+            <a:lstStyle/>
+            <a:p>
+              <a:pPr algn="ctr"/>
+              <a:endParaRPr lang="ko-KR" altLang="en-US">
+                <a:solidFill>
+                  <a:schemeClr val="bg1"/>
+                </a:solidFill>
+              </a:endParaRPr>
+            </a:p>
+          </p:txBody>
+        </p:sp>
+        <p:sp>
+          <p:nvSpPr>
+            <p:cNvPr id="21" name="Google Shape;1055;p29"/>
+            <p:cNvSpPr txBox="1"/>
+            <p:nvPr/>
+          </p:nvSpPr>
+          <p:spPr>
+            <a:xfrm>
+              <a:off x="36650" y="5357783"/>
+              <a:ext cx="638316" cy="230832"/>
+            </a:xfrm>
+            <a:prstGeom prst="rect">
+              <a:avLst/>
+            </a:prstGeom>
+            <a:noFill/>
+            <a:ln>
+              <a:noFill/>
+            </a:ln>
+          </p:spPr>
+          <p:txBody>
+            <a:bodyPr spcFirstLastPara="1" wrap="square" lIns="91425" tIns="45700" rIns="91425" bIns="45700" anchor="t" anchorCtr="0">
+              <a:noAutofit/>
+            </a:bodyPr>
+            <a:lstStyle/>
+            <a:p>
+              <a:pPr marL="0" marR="0" lvl="0" indent="0" algn="ctr" rtl="0">
+                <a:spcBef>
+                  <a:spcPts val="0"/>
+                </a:spcBef>
+                <a:spcAft>
+                  <a:spcPts val="0"/>
+                </a:spcAft>
+                <a:buNone/>
+              </a:pPr>
+              <a:r>
+                <a:rPr lang="en-US" sz="900" b="1" dirty="0" smtClean="0">
+                  <a:solidFill>
+                    <a:schemeClr val="lt1"/>
+                  </a:solidFill>
+                  <a:latin typeface="Arial"/>
+                  <a:ea typeface="Arial"/>
+                  <a:cs typeface="Arial"/>
+                  <a:sym typeface="Arial"/>
+                </a:rPr>
+                <a:t>-</a:t>
+              </a:r>
+              <a:endParaRPr sz="900" b="1" dirty="0">
+                <a:solidFill>
+                  <a:schemeClr val="lt1"/>
+                </a:solidFill>
+                <a:latin typeface="Arial"/>
+                <a:ea typeface="Arial"/>
+                <a:cs typeface="Arial"/>
+                <a:sym typeface="Arial"/>
+              </a:endParaRPr>
+            </a:p>
+          </p:txBody>
+        </p:sp>
+        <p:pic>
+          <p:nvPicPr>
+            <p:cNvPr id="22" name="Picture 2" descr="C:\Users\Rivers\Desktop\lightning-icon.png"/>
+            <p:cNvPicPr>
+              <a:picLocks noChangeAspect="1" noChangeArrowheads="1"/>
+            </p:cNvPicPr>
+            <p:nvPr/>
+          </p:nvPicPr>
+          <p:blipFill>
+            <a:blip r:embed="rId5" cstate="print">
+              <a:extLst>
+                <a:ext uri="{28A0092B-C50C-407E-A947-70E740481C1C}">
+                  <a14:useLocalDpi xmlns:a14="http://schemas.microsoft.com/office/drawing/2010/main" val="0"/>
+                </a:ext>
+              </a:extLst>
+            </a:blip>
+            <a:srcRect/>
+            <a:stretch>
+              <a:fillRect/>
+            </a:stretch>
+          </p:blipFill>
+          <p:spPr bwMode="auto">
+            <a:xfrm>
+              <a:off x="116132" y="5154982"/>
+              <a:ext cx="170437" cy="200557"/>
+            </a:xfrm>
+            <a:prstGeom prst="rect">
+              <a:avLst/>
+            </a:prstGeom>
+            <a:noFill/>
+            <a:extLst>
+              <a:ext uri="{909E8E84-426E-40DD-AFC4-6F175D3DCCD1}">
+                <a14:hiddenFill xmlns:a14="http://schemas.microsoft.com/office/drawing/2010/main">
+                  <a:solidFill>
+                    <a:srgbClr val="FFFFFF"/>
+                  </a:solidFill>
+                </a14:hiddenFill>
+              </a:ext>
+            </a:extLst>
+          </p:spPr>
+        </p:pic>
+        <p:pic>
+          <p:nvPicPr>
+            <p:cNvPr id="23" name="Picture 2" descr="C:\Users\Rivers\Desktop\lightning-icon.png"/>
+            <p:cNvPicPr>
+              <a:picLocks noChangeAspect="1" noChangeArrowheads="1"/>
+            </p:cNvPicPr>
+            <p:nvPr/>
+          </p:nvPicPr>
+          <p:blipFill>
+            <a:blip r:embed="rId5" cstate="print">
+              <a:extLst>
+                <a:ext uri="{28A0092B-C50C-407E-A947-70E740481C1C}">
+                  <a14:useLocalDpi xmlns:a14="http://schemas.microsoft.com/office/drawing/2010/main" val="0"/>
+                </a:ext>
+              </a:extLst>
+            </a:blip>
+            <a:srcRect/>
+            <a:stretch>
+              <a:fillRect/>
+            </a:stretch>
+          </p:blipFill>
+          <p:spPr bwMode="auto">
+            <a:xfrm>
+              <a:off x="225057" y="5157226"/>
+              <a:ext cx="170437" cy="200557"/>
+            </a:xfrm>
+            <a:prstGeom prst="rect">
+              <a:avLst/>
+            </a:prstGeom>
+            <a:noFill/>
+            <a:extLst>
+              <a:ext uri="{909E8E84-426E-40DD-AFC4-6F175D3DCCD1}">
+                <a14:hiddenFill xmlns:a14="http://schemas.microsoft.com/office/drawing/2010/main">
+                  <a:solidFill>
+                    <a:srgbClr val="FFFFFF"/>
+                  </a:solidFill>
+                </a14:hiddenFill>
+              </a:ext>
+            </a:extLst>
+          </p:spPr>
+        </p:pic>
+        <p:pic>
+          <p:nvPicPr>
+            <p:cNvPr id="24" name="Picture 2" descr="C:\Users\Rivers\Desktop\lightning-icon.png"/>
+            <p:cNvPicPr>
+              <a:picLocks noChangeAspect="1" noChangeArrowheads="1"/>
+            </p:cNvPicPr>
+            <p:nvPr/>
+          </p:nvPicPr>
+          <p:blipFill>
+            <a:blip r:embed="rId5" cstate="print">
+              <a:extLst>
+                <a:ext uri="{28A0092B-C50C-407E-A947-70E740481C1C}">
+                  <a14:useLocalDpi xmlns:a14="http://schemas.microsoft.com/office/drawing/2010/main" val="0"/>
+                </a:ext>
+              </a:extLst>
+            </a:blip>
+            <a:srcRect/>
+            <a:stretch>
+              <a:fillRect/>
+            </a:stretch>
+          </p:blipFill>
+          <p:spPr bwMode="auto">
+            <a:xfrm>
+              <a:off x="328507" y="5157226"/>
+              <a:ext cx="170437" cy="200557"/>
+            </a:xfrm>
+            <a:prstGeom prst="rect">
+              <a:avLst/>
+            </a:prstGeom>
+            <a:noFill/>
+            <a:extLst>
+              <a:ext uri="{909E8E84-426E-40DD-AFC4-6F175D3DCCD1}">
+                <a14:hiddenFill xmlns:a14="http://schemas.microsoft.com/office/drawing/2010/main">
+                  <a:solidFill>
+                    <a:srgbClr val="FFFFFF"/>
+                  </a:solidFill>
+                </a14:hiddenFill>
+              </a:ext>
+            </a:extLst>
+          </p:spPr>
+        </p:pic>
+        <p:pic>
+          <p:nvPicPr>
+            <p:cNvPr id="26" name="Picture 2" descr="C:\Users\Rivers\Desktop\lightning-icon.png"/>
+            <p:cNvPicPr>
+              <a:picLocks noChangeAspect="1" noChangeArrowheads="1"/>
+            </p:cNvPicPr>
+            <p:nvPr/>
+          </p:nvPicPr>
+          <p:blipFill>
+            <a:blip r:embed="rId5" cstate="print">
+              <a:extLst>
+                <a:ext uri="{28A0092B-C50C-407E-A947-70E740481C1C}">
+                  <a14:useLocalDpi xmlns:a14="http://schemas.microsoft.com/office/drawing/2010/main" val="0"/>
+                </a:ext>
+              </a:extLst>
+            </a:blip>
+            <a:srcRect/>
+            <a:stretch>
+              <a:fillRect/>
+            </a:stretch>
+          </p:blipFill>
+          <p:spPr bwMode="auto">
+            <a:xfrm>
+              <a:off x="430986" y="5157226"/>
+              <a:ext cx="170437" cy="200557"/>
+            </a:xfrm>
+            <a:prstGeom prst="rect">
+              <a:avLst/>
+            </a:prstGeom>
+            <a:noFill/>
+            <a:extLst>
+              <a:ext uri="{909E8E84-426E-40DD-AFC4-6F175D3DCCD1}">
+                <a14:hiddenFill xmlns:a14="http://schemas.microsoft.com/office/drawing/2010/main">
+                  <a:solidFill>
+                    <a:srgbClr val="FFFFFF"/>
+                  </a:solidFill>
+                </a14:hiddenFill>
+              </a:ext>
+            </a:extLst>
+          </p:spPr>
+        </p:pic>
+        <p:pic>
+          <p:nvPicPr>
+            <p:cNvPr id="27" name="Picture 2" descr="C:\Users\Rivers\Desktop\lightning-icon.png"/>
+            <p:cNvPicPr>
+              <a:picLocks noChangeAspect="1" noChangeArrowheads="1"/>
+            </p:cNvPicPr>
+            <p:nvPr/>
+          </p:nvPicPr>
+          <p:blipFill>
+            <a:blip r:embed="rId5" cstate="print">
+              <a:extLst>
+                <a:ext uri="{28A0092B-C50C-407E-A947-70E740481C1C}">
+                  <a14:useLocalDpi xmlns:a14="http://schemas.microsoft.com/office/drawing/2010/main" val="0"/>
+                </a:ext>
+              </a:extLst>
+            </a:blip>
+            <a:srcRect/>
+            <a:stretch>
+              <a:fillRect/>
+            </a:stretch>
+          </p:blipFill>
+          <p:spPr bwMode="auto">
+            <a:xfrm>
+              <a:off x="534114" y="5157226"/>
+              <a:ext cx="170437" cy="200557"/>
+            </a:xfrm>
+            <a:prstGeom prst="rect">
+              <a:avLst/>
+            </a:prstGeom>
+            <a:noFill/>
+            <a:extLst>
+              <a:ext uri="{909E8E84-426E-40DD-AFC4-6F175D3DCCD1}">
+                <a14:hiddenFill xmlns:a14="http://schemas.microsoft.com/office/drawing/2010/main">
+                  <a:solidFill>
+                    <a:srgbClr val="FFFFFF"/>
+                  </a:solidFill>
+                </a14:hiddenFill>
+              </a:ext>
+            </a:extLst>
+          </p:spPr>
+        </p:pic>
+      </p:grpSp>
+      <p:sp>
+        <p:nvSpPr>
+          <p:cNvPr id="28" name="TextBox 27"/>
+          <p:cNvSpPr txBox="1"/>
+          <p:nvPr/>
+        </p:nvSpPr>
+        <p:spPr>
+          <a:xfrm>
+            <a:off x="2511188" y="1707654"/>
+            <a:ext cx="2204450" cy="861774"/>
+          </a:xfrm>
+          <a:prstGeom prst="rect">
+            <a:avLst/>
+          </a:prstGeom>
+          <a:noFill/>
+        </p:spPr>
+        <p:txBody>
+          <a:bodyPr wrap="none" rtlCol="0">
+            <a:spAutoFit/>
+          </a:bodyPr>
+          <a:lstStyle/>
+          <a:p>
+            <a:pPr algn="ctr"/>
+            <a:r>
+              <a:rPr lang="ko-KR" altLang="en-US" sz="1000" b="1" smtClean="0">
+                <a:solidFill>
+                  <a:schemeClr val="bg1"/>
+                </a:solidFill>
+              </a:rPr>
+              <a:t>스킬을 사용할 때</a:t>
+            </a:r>
+            <a:r>
+              <a:rPr lang="ko-KR" altLang="en-US" sz="1000" b="1">
+                <a:solidFill>
+                  <a:schemeClr val="bg1"/>
+                </a:solidFill>
+              </a:rPr>
+              <a:t>는</a:t>
+            </a:r>
+            <a:r>
+              <a:rPr lang="ko-KR" altLang="en-US" sz="1000" b="1" smtClean="0">
+                <a:solidFill>
+                  <a:schemeClr val="bg1"/>
+                </a:solidFill>
+              </a:rPr>
+              <a:t> 에너지가 </a:t>
+            </a:r>
+            <a:endParaRPr lang="en-US" altLang="ko-KR" sz="1000" b="1" smtClean="0">
+              <a:solidFill>
+                <a:schemeClr val="bg1"/>
+              </a:solidFill>
+            </a:endParaRPr>
+          </a:p>
+          <a:p>
+            <a:pPr algn="ctr"/>
+            <a:r>
+              <a:rPr lang="ko-KR" altLang="en-US" sz="1000" b="1" smtClean="0">
+                <a:solidFill>
+                  <a:schemeClr val="bg1"/>
+                </a:solidFill>
+              </a:rPr>
+              <a:t>소모됩니다</a:t>
+            </a:r>
+            <a:r>
+              <a:rPr lang="en-US" altLang="ko-KR" sz="1000" b="1" smtClean="0">
+                <a:solidFill>
+                  <a:schemeClr val="bg1"/>
+                </a:solidFill>
+              </a:rPr>
+              <a:t>!</a:t>
+            </a:r>
+          </a:p>
+          <a:p>
+            <a:pPr algn="ctr"/>
+            <a:endParaRPr lang="en-US" altLang="ko-KR" sz="1000" b="1">
+              <a:solidFill>
+                <a:schemeClr val="bg1"/>
+              </a:solidFill>
+            </a:endParaRPr>
+          </a:p>
+          <a:p>
+            <a:pPr algn="ctr"/>
+            <a:r>
+              <a:rPr lang="ko-KR" altLang="en-US" sz="1000" b="1" smtClean="0">
+                <a:solidFill>
+                  <a:schemeClr val="bg1"/>
+                </a:solidFill>
+              </a:rPr>
+              <a:t>에너지가 없으면 스킬을 사용할 수 </a:t>
+            </a:r>
+            <a:endParaRPr lang="en-US" altLang="ko-KR" sz="1000" b="1" smtClean="0">
+              <a:solidFill>
+                <a:schemeClr val="bg1"/>
+              </a:solidFill>
+            </a:endParaRPr>
+          </a:p>
+          <a:p>
+            <a:pPr algn="ctr"/>
+            <a:r>
+              <a:rPr lang="ko-KR" altLang="en-US" sz="1000" b="1" smtClean="0">
+                <a:solidFill>
+                  <a:schemeClr val="bg1"/>
+                </a:solidFill>
+              </a:rPr>
+              <a:t>없으니 신중하게 사용하세요</a:t>
+            </a:r>
+            <a:r>
+              <a:rPr lang="en-US" altLang="ko-KR" sz="1000" b="1" smtClean="0">
+                <a:solidFill>
+                  <a:schemeClr val="bg1"/>
+                </a:solidFill>
+              </a:rPr>
+              <a:t>!</a:t>
+            </a:r>
+            <a:endParaRPr lang="en-US" altLang="ko-KR" sz="1000" b="1" smtClean="0">
+              <a:solidFill>
+                <a:schemeClr val="bg1"/>
+              </a:solidFill>
+            </a:endParaRPr>
+          </a:p>
+        </p:txBody>
+      </p:sp>
+      <p:pic>
+        <p:nvPicPr>
+          <p:cNvPr id="29" name="Picture 2" descr="C:\Users\Rivers\Desktop\캡처.PNG"/>
+          <p:cNvPicPr>
+            <a:picLocks noChangeAspect="1" noChangeArrowheads="1"/>
+          </p:cNvPicPr>
+          <p:nvPr/>
+        </p:nvPicPr>
+        <p:blipFill>
+          <a:blip r:embed="rId4">
+            <a:extLst>
+              <a:ext uri="{28A0092B-C50C-407E-A947-70E740481C1C}">
+                <a14:useLocalDpi xmlns:a14="http://schemas.microsoft.com/office/drawing/2010/main" val="0"/>
+              </a:ext>
+            </a:extLst>
+          </a:blip>
+          <a:srcRect/>
+          <a:stretch>
+            <a:fillRect/>
+          </a:stretch>
+        </p:blipFill>
+        <p:spPr bwMode="auto">
+          <a:xfrm>
+            <a:off x="127874" y="2328553"/>
+            <a:ext cx="2190750" cy="666750"/>
+          </a:xfrm>
+          <a:prstGeom prst="rect">
+            <a:avLst/>
+          </a:prstGeom>
+          <a:noFill/>
+          <a:extLst>
+            <a:ext uri="{909E8E84-426E-40DD-AFC4-6F175D3DCCD1}">
+              <a14:hiddenFill xmlns:a14="http://schemas.microsoft.com/office/drawing/2010/main">
+                <a:solidFill>
+                  <a:srgbClr val="FFFFFF"/>
+                </a:solidFill>
+              </a14:hiddenFill>
+            </a:ext>
+          </a:extLst>
+        </p:spPr>
+      </p:pic>
+      <p:pic>
+        <p:nvPicPr>
+          <p:cNvPr id="30" name="Picture 4" descr="C:\Users\Rivers\Desktop\55db461e9e.png"/>
+          <p:cNvPicPr>
+            <a:picLocks noChangeAspect="1" noChangeArrowheads="1"/>
+          </p:cNvPicPr>
+          <p:nvPr/>
+        </p:nvPicPr>
+        <p:blipFill>
+          <a:blip r:embed="rId3" cstate="print">
+            <a:extLst>
+              <a:ext uri="{28A0092B-C50C-407E-A947-70E740481C1C}">
+                <a14:useLocalDpi xmlns:a14="http://schemas.microsoft.com/office/drawing/2010/main" val="0"/>
+              </a:ext>
+            </a:extLst>
+          </a:blip>
+          <a:srcRect/>
+          <a:stretch>
+            <a:fillRect/>
+          </a:stretch>
+        </p:blipFill>
+        <p:spPr bwMode="auto">
+          <a:xfrm rot="7200000">
+            <a:off x="199563" y="2264054"/>
+            <a:ext cx="648072" cy="648072"/>
+          </a:xfrm>
+          <a:prstGeom prst="rect">
+            <a:avLst/>
+          </a:prstGeom>
+          <a:noFill/>
+          <a:extLst>
+            <a:ext uri="{909E8E84-426E-40DD-AFC4-6F175D3DCCD1}">
+              <a14:hiddenFill xmlns:a14="http://schemas.microsoft.com/office/drawing/2010/main">
+                <a:solidFill>
+                  <a:srgbClr val="FFFFFF"/>
+                </a:solidFill>
+              </a14:hiddenFill>
+            </a:ext>
+          </a:extLst>
+        </p:spPr>
+      </p:pic>
+      <p:sp>
+        <p:nvSpPr>
+          <p:cNvPr id="3" name="사각형 설명선 2"/>
+          <p:cNvSpPr/>
+          <p:nvPr/>
+        </p:nvSpPr>
+        <p:spPr>
+          <a:xfrm>
+            <a:off x="165974" y="2922923"/>
+            <a:ext cx="2098465" cy="185024"/>
+          </a:xfrm>
+          <a:prstGeom prst="wedgeRectCallout">
+            <a:avLst>
+              <a:gd name="adj1" fmla="val -20833"/>
+              <a:gd name="adj2" fmla="val -115105"/>
+            </a:avLst>
+          </a:prstGeom>
+          <a:solidFill>
+            <a:schemeClr val="bg1"/>
+          </a:solidFill>
+          <a:ln>
+            <a:solidFill>
+              <a:schemeClr val="tx1"/>
+            </a:solidFill>
+          </a:ln>
+        </p:spPr>
+        <p:style>
+          <a:lnRef idx="2">
+            <a:schemeClr val="accent1">
+              <a:shade val="50000"/>
+            </a:schemeClr>
+          </a:lnRef>
+          <a:fillRef idx="1">
+            <a:schemeClr val="accent1"/>
+          </a:fillRef>
+          <a:effectRef idx="0">
+            <a:schemeClr val="accent1"/>
+          </a:effectRef>
+          <a:fontRef idx="minor">
+            <a:schemeClr val="lt1"/>
+          </a:fontRef>
+        </p:style>
+        <p:txBody>
+          <a:bodyPr rtlCol="0" anchor="ctr"/>
+          <a:lstStyle/>
+          <a:p>
+            <a:pPr algn="ctr"/>
+            <a:endParaRPr lang="ko-KR" altLang="en-US"/>
+          </a:p>
+        </p:txBody>
+      </p:sp>
+      <p:sp>
+        <p:nvSpPr>
+          <p:cNvPr id="31" name="TextBox 30"/>
+          <p:cNvSpPr txBox="1"/>
+          <p:nvPr/>
+        </p:nvSpPr>
+        <p:spPr>
+          <a:xfrm>
+            <a:off x="285529" y="3219822"/>
+            <a:ext cx="1854996" cy="707886"/>
+          </a:xfrm>
+          <a:prstGeom prst="rect">
+            <a:avLst/>
+          </a:prstGeom>
+          <a:noFill/>
+        </p:spPr>
+        <p:txBody>
+          <a:bodyPr wrap="none" rtlCol="0">
+            <a:spAutoFit/>
+          </a:bodyPr>
+          <a:lstStyle/>
+          <a:p>
+            <a:pPr algn="ctr"/>
+            <a:r>
+              <a:rPr lang="ko-KR" altLang="en-US" sz="1000" b="1" smtClean="0">
+                <a:solidFill>
+                  <a:schemeClr val="bg1"/>
+                </a:solidFill>
+              </a:rPr>
+              <a:t>스킬 아이콘을 꾸욱 누르면</a:t>
+            </a:r>
+            <a:r>
+              <a:rPr lang="en-US" altLang="ko-KR" sz="1000" b="1" smtClean="0">
+                <a:solidFill>
+                  <a:schemeClr val="bg1"/>
+                </a:solidFill>
+              </a:rPr>
+              <a:t/>
+            </a:r>
+            <a:br>
+              <a:rPr lang="en-US" altLang="ko-KR" sz="1000" b="1" smtClean="0">
+                <a:solidFill>
+                  <a:schemeClr val="bg1"/>
+                </a:solidFill>
+              </a:rPr>
+            </a:br>
+            <a:r>
+              <a:rPr lang="ko-KR" altLang="en-US" sz="1000" b="1" smtClean="0">
+                <a:solidFill>
+                  <a:schemeClr val="bg1"/>
+                </a:solidFill>
+              </a:rPr>
+              <a:t>설명을 볼 수 있습니다</a:t>
+            </a:r>
+            <a:r>
+              <a:rPr lang="en-US" altLang="ko-KR" sz="1000" b="1" smtClean="0">
+                <a:solidFill>
+                  <a:schemeClr val="bg1"/>
+                </a:solidFill>
+              </a:rPr>
+              <a:t>!</a:t>
+            </a:r>
+          </a:p>
+          <a:p>
+            <a:pPr algn="ctr"/>
+            <a:endParaRPr lang="en-US" altLang="ko-KR" sz="1000" b="1">
+              <a:solidFill>
+                <a:schemeClr val="bg1"/>
+              </a:solidFill>
+            </a:endParaRPr>
+          </a:p>
+          <a:p>
+            <a:pPr algn="ctr"/>
+            <a:r>
+              <a:rPr lang="ko-KR" altLang="en-US" sz="1000" b="1" smtClean="0">
+                <a:solidFill>
+                  <a:schemeClr val="bg1"/>
+                </a:solidFill>
+              </a:rPr>
+              <a:t>터치하면 스킬이 사용됩니다</a:t>
+            </a:r>
+            <a:r>
+              <a:rPr lang="en-US" altLang="ko-KR" sz="1000" b="1" smtClean="0">
+                <a:solidFill>
+                  <a:schemeClr val="bg1"/>
+                </a:solidFill>
+              </a:rPr>
+              <a:t>!</a:t>
+            </a:r>
+            <a:endParaRPr lang="en-US" altLang="ko-KR" sz="1000" b="1" smtClean="0">
+              <a:solidFill>
+                <a:schemeClr val="bg1"/>
+              </a:solidFill>
+            </a:endParaRPr>
           </a:p>
         </p:txBody>
       </p:sp>
@@ -8840,9 +9647,101 @@
           </a:p>
         </p:txBody>
       </p:sp>
+      <p:sp>
+        <p:nvSpPr>
+          <p:cNvPr id="19" name="아래쪽 화살표 18"/>
+          <p:cNvSpPr/>
+          <p:nvPr/>
+        </p:nvSpPr>
+        <p:spPr>
+          <a:xfrm rot="16200000">
+            <a:off x="1908251" y="4609692"/>
+            <a:ext cx="376139" cy="360040"/>
+          </a:xfrm>
+          <a:prstGeom prst="downArrow">
+            <a:avLst/>
+          </a:prstGeom>
+          <a:solidFill>
+            <a:schemeClr val="bg1"/>
+          </a:solidFill>
+          <a:ln>
+            <a:noFill/>
+          </a:ln>
+        </p:spPr>
+        <p:style>
+          <a:lnRef idx="2">
+            <a:schemeClr val="accent1">
+              <a:shade val="50000"/>
+            </a:schemeClr>
+          </a:lnRef>
+          <a:fillRef idx="1">
+            <a:schemeClr val="accent1"/>
+          </a:fillRef>
+          <a:effectRef idx="0">
+            <a:schemeClr val="accent1"/>
+          </a:effectRef>
+          <a:fontRef idx="minor">
+            <a:schemeClr val="lt1"/>
+          </a:fontRef>
+        </p:style>
+        <p:txBody>
+          <a:bodyPr rtlCol="0" anchor="ctr"/>
+          <a:lstStyle/>
+          <a:p>
+            <a:pPr algn="ctr"/>
+            <a:endParaRPr lang="ko-KR" altLang="en-US"/>
+          </a:p>
+        </p:txBody>
+      </p:sp>
+      <p:sp>
+        <p:nvSpPr>
+          <p:cNvPr id="20" name="아래쪽 화살표 19"/>
+          <p:cNvSpPr/>
+          <p:nvPr/>
+        </p:nvSpPr>
+        <p:spPr>
+          <a:xfrm rot="16200000">
+            <a:off x="4293607" y="4604387"/>
+            <a:ext cx="376139" cy="360040"/>
+          </a:xfrm>
+          <a:prstGeom prst="downArrow">
+            <a:avLst/>
+          </a:prstGeom>
+          <a:solidFill>
+            <a:schemeClr val="bg1"/>
+          </a:solidFill>
+          <a:ln>
+            <a:noFill/>
+          </a:ln>
+        </p:spPr>
+        <p:style>
+          <a:lnRef idx="2">
+            <a:schemeClr val="accent1">
+              <a:shade val="50000"/>
+            </a:schemeClr>
+          </a:lnRef>
+          <a:fillRef idx="1">
+            <a:schemeClr val="accent1"/>
+          </a:fillRef>
+          <a:effectRef idx="0">
+            <a:schemeClr val="accent1"/>
+          </a:effectRef>
+          <a:fontRef idx="minor">
+            <a:schemeClr val="lt1"/>
+          </a:fontRef>
+        </p:style>
+        <p:txBody>
+          <a:bodyPr rtlCol="0" anchor="ctr"/>
+          <a:lstStyle/>
+          <a:p>
+            <a:pPr algn="ctr"/>
+            <a:endParaRPr lang="ko-KR" altLang="en-US"/>
+          </a:p>
+        </p:txBody>
+      </p:sp>
       <p:pic>
         <p:nvPicPr>
-          <p:cNvPr id="12" name="Picture 3" descr="C:\Users\Rivers\Desktop\KakaoTalk_20190304_163312877.jpg"/>
+          <p:cNvPr id="21" name="Picture 3" descr="C:\Users\Rivers\Desktop\KakaoTalk_20190304_163312877.jpg"/>
           <p:cNvPicPr>
             <a:picLocks noChangeAspect="1" noChangeArrowheads="1"/>
           </p:cNvPicPr>
@@ -8863,7 +9762,7 @@
         </p:blipFill>
         <p:spPr bwMode="auto">
           <a:xfrm>
-            <a:off x="4863825" y="440402"/>
+            <a:off x="4940660" y="440402"/>
             <a:ext cx="2232955" cy="4590228"/>
           </a:xfrm>
           <a:prstGeom prst="rect">
@@ -8881,15 +9780,56 @@
           </a:extLst>
         </p:spPr>
       </p:pic>
-      <p:sp>
-        <p:nvSpPr>
-          <p:cNvPr id="14" name="직사각형 13"/>
+      <p:pic>
+        <p:nvPicPr>
+          <p:cNvPr id="22" name="Picture 4" descr="C:\Users\Rivers\Desktop\55db461e9e.png"/>
+          <p:cNvPicPr>
+            <a:picLocks noChangeAspect="1" noChangeArrowheads="1"/>
+          </p:cNvPicPr>
+          <p:nvPr/>
+        </p:nvPicPr>
+        <p:blipFill>
+          <a:blip r:embed="rId3" cstate="print">
+            <a:extLst>
+              <a:ext uri="{28A0092B-C50C-407E-A947-70E740481C1C}">
+                <a14:useLocalDpi xmlns:a14="http://schemas.microsoft.com/office/drawing/2010/main" val="0"/>
+              </a:ext>
+            </a:extLst>
+          </a:blip>
+          <a:srcRect/>
+          <a:stretch>
+            <a:fillRect/>
+          </a:stretch>
+        </p:blipFill>
+        <p:spPr bwMode="auto">
+          <a:xfrm rot="8100000">
+            <a:off x="5204027" y="4002114"/>
+            <a:ext cx="648072" cy="648072"/>
+          </a:xfrm>
+          <a:prstGeom prst="rect">
+            <a:avLst/>
+          </a:prstGeom>
+          <a:noFill/>
+          <a:extLst>
+            <a:ext uri="{909E8E84-426E-40DD-AFC4-6F175D3DCCD1}">
+              <a14:hiddenFill xmlns:a14="http://schemas.microsoft.com/office/drawing/2010/main">
+                <a:solidFill>
+                  <a:srgbClr val="FFFFFF"/>
+                </a:solidFill>
+              </a14:hiddenFill>
+            </a:ext>
+          </a:extLst>
+        </p:spPr>
+      </p:pic>
+      <p:sp>
+        <p:nvSpPr>
+          <p:cNvPr id="23" name="직사각형 22"/>
           <p:cNvSpPr/>
           <p:nvPr/>
         </p:nvSpPr>
         <p:spPr>
           <a:xfrm>
-            <a:off x="4863825" y="2904476"/>
+            <a:off x="4940660" y="2904476"/>
             <a:ext cx="2232955" cy="504056"/>
           </a:xfrm>
           <a:prstGeom prst="rect">
@@ -8931,64 +9871,24 @@
       </p:sp>
       <p:sp>
         <p:nvSpPr>
-          <p:cNvPr id="15" name="TextBox 14"/>
-          <p:cNvSpPr txBox="1"/>
+          <p:cNvPr id="25" name="아래쪽 화살표 24"/>
+          <p:cNvSpPr/>
           <p:nvPr/>
         </p:nvSpPr>
         <p:spPr>
-          <a:xfrm>
-            <a:off x="4839613" y="3033393"/>
-            <a:ext cx="2324675" cy="246221"/>
-          </a:xfrm>
-          <a:prstGeom prst="rect">
-            <a:avLst/>
-          </a:prstGeom>
-          <a:noFill/>
-        </p:spPr>
-        <p:txBody>
-          <a:bodyPr wrap="none" rtlCol="0">
-            <a:spAutoFit/>
-          </a:bodyPr>
-          <a:lstStyle/>
-          <a:p>
-            <a:r>
-              <a:rPr lang="ko-KR" altLang="en-US" sz="1000" smtClean="0">
-                <a:solidFill>
-                  <a:schemeClr val="bg1"/>
-                </a:solidFill>
-              </a:rPr>
-              <a:t>검 블록은 상하좌우 적을 공격합니다</a:t>
-            </a:r>
-            <a:r>
-              <a:rPr lang="en-US" altLang="ko-KR" sz="1000" smtClean="0">
-                <a:solidFill>
-                  <a:schemeClr val="bg1"/>
-                </a:solidFill>
-              </a:rPr>
-              <a:t>!</a:t>
-            </a:r>
-            <a:endParaRPr lang="ko-KR" altLang="en-US" sz="1000">
-              <a:solidFill>
-                <a:schemeClr val="bg1"/>
-              </a:solidFill>
-            </a:endParaRPr>
-          </a:p>
-        </p:txBody>
-      </p:sp>
-      <p:sp>
-        <p:nvSpPr>
-          <p:cNvPr id="5" name="왼쪽 화살표 4"/>
-          <p:cNvSpPr/>
-          <p:nvPr/>
-        </p:nvSpPr>
-        <p:spPr>
-          <a:xfrm>
-            <a:off x="5148064" y="1491630"/>
-            <a:ext cx="360040" cy="288032"/>
-          </a:xfrm>
-          <a:prstGeom prst="leftArrow">
-            <a:avLst/>
-          </a:prstGeom>
+          <a:xfrm rot="16200000">
+            <a:off x="6742138" y="4604387"/>
+            <a:ext cx="376139" cy="360040"/>
+          </a:xfrm>
+          <a:prstGeom prst="downArrow">
+            <a:avLst/>
+          </a:prstGeom>
+          <a:solidFill>
+            <a:schemeClr val="bg1"/>
+          </a:solidFill>
+          <a:ln>
+            <a:noFill/>
+          </a:ln>
         </p:spPr>
         <p:style>
           <a:lnRef idx="2">
@@ -9017,30 +9917,38 @@
       </p:sp>
       <p:sp>
         <p:nvSpPr>
-          <p:cNvPr id="17" name="왼쪽 화살표 16"/>
+          <p:cNvPr id="26" name="직사각형 25"/>
           <p:cNvSpPr/>
           <p:nvPr/>
         </p:nvSpPr>
         <p:spPr>
-          <a:xfrm rot="10800000">
-            <a:off x="5945134" y="1500014"/>
-            <a:ext cx="360040" cy="288032"/>
-          </a:xfrm>
-          <a:prstGeom prst="leftArrow">
-            <a:avLst/>
-          </a:prstGeom>
+          <a:xfrm>
+            <a:off x="4941089" y="987573"/>
+            <a:ext cx="2232955" cy="1916903"/>
+          </a:xfrm>
+          <a:prstGeom prst="rect">
+            <a:avLst/>
+          </a:prstGeom>
+          <a:solidFill>
+            <a:schemeClr val="dk1">
+              <a:alpha val="80000"/>
+            </a:schemeClr>
+          </a:solidFill>
+          <a:ln>
+            <a:noFill/>
+          </a:ln>
         </p:spPr>
         <p:style>
           <a:lnRef idx="2">
-            <a:schemeClr val="accent1">
+            <a:schemeClr val="dk1">
               <a:shade val="50000"/>
             </a:schemeClr>
           </a:lnRef>
           <a:fillRef idx="1">
-            <a:schemeClr val="accent1"/>
+            <a:schemeClr val="dk1"/>
           </a:fillRef>
           <a:effectRef idx="0">
-            <a:schemeClr val="accent1"/>
+            <a:schemeClr val="dk1"/>
           </a:effectRef>
           <a:fontRef idx="minor">
             <a:schemeClr val="lt1"/>
@@ -9055,43 +9963,357 @@
           </a:p>
         </p:txBody>
       </p:sp>
-      <p:sp>
-        <p:nvSpPr>
-          <p:cNvPr id="18" name="왼쪽 화살표 17"/>
-          <p:cNvSpPr/>
+      <p:pic>
+        <p:nvPicPr>
+          <p:cNvPr id="27" name="Picture 7" descr="D:\GitHub\Sliding_Puzzle_Battle\Slide Puzzle Battle\Assets\Resources\Sprites\Tiles\Tiles_Sword.png"/>
+          <p:cNvPicPr>
+            <a:picLocks noChangeAspect="1" noChangeArrowheads="1"/>
+          </p:cNvPicPr>
+          <p:nvPr/>
+        </p:nvPicPr>
+        <p:blipFill>
+          <a:blip r:embed="rId4" cstate="print">
+            <a:extLst>
+              <a:ext uri="{28A0092B-C50C-407E-A947-70E740481C1C}">
+                <a14:useLocalDpi xmlns:a14="http://schemas.microsoft.com/office/drawing/2010/main" val="0"/>
+              </a:ext>
+            </a:extLst>
+          </a:blip>
+          <a:srcRect/>
+          <a:stretch>
+            <a:fillRect/>
+          </a:stretch>
+        </p:blipFill>
+        <p:spPr bwMode="auto">
+          <a:xfrm>
+            <a:off x="5072657" y="1103015"/>
+            <a:ext cx="438425" cy="438425"/>
+          </a:xfrm>
+          <a:prstGeom prst="rect">
+            <a:avLst/>
+          </a:prstGeom>
+          <a:noFill/>
+          <a:extLst>
+            <a:ext uri="{909E8E84-426E-40DD-AFC4-6F175D3DCCD1}">
+              <a14:hiddenFill xmlns:a14="http://schemas.microsoft.com/office/drawing/2010/main">
+                <a:solidFill>
+                  <a:srgbClr val="FFFFFF"/>
+                </a:solidFill>
+              </a14:hiddenFill>
+            </a:ext>
+          </a:extLst>
+        </p:spPr>
+      </p:pic>
+      <p:pic>
+        <p:nvPicPr>
+          <p:cNvPr id="28" name="Picture 8" descr="D:\GitHub\Sliding_Puzzle_Battle\Slide Puzzle Battle\Assets\Resources\Sprites\Tiles\Tiles_Arrow.png"/>
+          <p:cNvPicPr>
+            <a:picLocks noChangeAspect="1" noChangeArrowheads="1"/>
+          </p:cNvPicPr>
+          <p:nvPr/>
+        </p:nvPicPr>
+        <p:blipFill>
+          <a:blip r:embed="rId5" cstate="print">
+            <a:extLst>
+              <a:ext uri="{28A0092B-C50C-407E-A947-70E740481C1C}">
+                <a14:useLocalDpi xmlns:a14="http://schemas.microsoft.com/office/drawing/2010/main" val="0"/>
+              </a:ext>
+            </a:extLst>
+          </a:blip>
+          <a:srcRect/>
+          <a:stretch>
+            <a:fillRect/>
+          </a:stretch>
+        </p:blipFill>
+        <p:spPr bwMode="auto">
+          <a:xfrm>
+            <a:off x="5072657" y="1629268"/>
+            <a:ext cx="438425" cy="438425"/>
+          </a:xfrm>
+          <a:prstGeom prst="rect">
+            <a:avLst/>
+          </a:prstGeom>
+          <a:noFill/>
+          <a:extLst>
+            <a:ext uri="{909E8E84-426E-40DD-AFC4-6F175D3DCCD1}">
+              <a14:hiddenFill xmlns:a14="http://schemas.microsoft.com/office/drawing/2010/main">
+                <a:solidFill>
+                  <a:srgbClr val="FFFFFF"/>
+                </a:solidFill>
+              </a14:hiddenFill>
+            </a:ext>
+          </a:extLst>
+        </p:spPr>
+      </p:pic>
+      <p:pic>
+        <p:nvPicPr>
+          <p:cNvPr id="29" name="Picture 6" descr="D:\GitHub\Sliding_Puzzle_Battle\Slide Puzzle Battle\Assets\Resources\Sprites\Tiles\Tiles_Boom.png"/>
+          <p:cNvPicPr>
+            <a:picLocks noChangeAspect="1" noChangeArrowheads="1"/>
+          </p:cNvPicPr>
+          <p:nvPr/>
+        </p:nvPicPr>
+        <p:blipFill>
+          <a:blip r:embed="rId6" cstate="print">
+            <a:extLst>
+              <a:ext uri="{28A0092B-C50C-407E-A947-70E740481C1C}">
+                <a14:useLocalDpi xmlns:a14="http://schemas.microsoft.com/office/drawing/2010/main" val="0"/>
+              </a:ext>
+            </a:extLst>
+          </a:blip>
+          <a:srcRect/>
+          <a:stretch>
+            <a:fillRect/>
+          </a:stretch>
+        </p:blipFill>
+        <p:spPr bwMode="auto">
+          <a:xfrm>
+            <a:off x="5070480" y="2135150"/>
+            <a:ext cx="438425" cy="438425"/>
+          </a:xfrm>
+          <a:prstGeom prst="rect">
+            <a:avLst/>
+          </a:prstGeom>
+          <a:noFill/>
+          <a:extLst>
+            <a:ext uri="{909E8E84-426E-40DD-AFC4-6F175D3DCCD1}">
+              <a14:hiddenFill xmlns:a14="http://schemas.microsoft.com/office/drawing/2010/main">
+                <a:solidFill>
+                  <a:srgbClr val="FFFFFF"/>
+                </a:solidFill>
+              </a14:hiddenFill>
+            </a:ext>
+          </a:extLst>
+        </p:spPr>
+      </p:pic>
+      <p:sp>
+        <p:nvSpPr>
+          <p:cNvPr id="30" name="TextBox 29"/>
+          <p:cNvSpPr txBox="1"/>
           <p:nvPr/>
         </p:nvSpPr>
         <p:spPr>
-          <a:xfrm rot="16200000">
-            <a:off x="5536762" y="1871680"/>
-            <a:ext cx="360040" cy="288032"/>
-          </a:xfrm>
-          <a:prstGeom prst="leftArrow">
-            <a:avLst/>
-          </a:prstGeom>
-        </p:spPr>
-        <p:style>
-          <a:lnRef idx="2">
-            <a:schemeClr val="accent1">
-              <a:shade val="50000"/>
-            </a:schemeClr>
-          </a:lnRef>
-          <a:fillRef idx="1">
-            <a:schemeClr val="accent1"/>
-          </a:fillRef>
-          <a:effectRef idx="0">
-            <a:schemeClr val="accent1"/>
-          </a:effectRef>
-          <a:fontRef idx="minor">
-            <a:schemeClr val="lt1"/>
-          </a:fontRef>
-        </p:style>
-        <p:txBody>
-          <a:bodyPr rtlCol="0" anchor="ctr"/>
+          <a:xfrm>
+            <a:off x="5586924" y="1199116"/>
+            <a:ext cx="941283" cy="246221"/>
+          </a:xfrm>
+          <a:prstGeom prst="rect">
+            <a:avLst/>
+          </a:prstGeom>
+          <a:noFill/>
+        </p:spPr>
+        <p:txBody>
+          <a:bodyPr wrap="none" rtlCol="0">
+            <a:spAutoFit/>
+          </a:bodyPr>
           <a:lstStyle/>
           <a:p>
             <a:pPr algn="ctr"/>
-            <a:endParaRPr lang="ko-KR" altLang="en-US"/>
+            <a:r>
+              <a:rPr lang="ko-KR" altLang="en-US" sz="1000" smtClean="0">
+                <a:solidFill>
+                  <a:schemeClr val="bg1"/>
+                </a:solidFill>
+              </a:rPr>
+              <a:t>상하좌우 </a:t>
+            </a:r>
+            <a:r>
+              <a:rPr lang="en-US" altLang="ko-KR" sz="1000" smtClean="0">
+                <a:solidFill>
+                  <a:schemeClr val="bg1"/>
+                </a:solidFill>
+              </a:rPr>
+              <a:t>1</a:t>
+            </a:r>
+            <a:r>
+              <a:rPr lang="ko-KR" altLang="en-US" sz="1000" smtClean="0">
+                <a:solidFill>
+                  <a:schemeClr val="bg1"/>
+                </a:solidFill>
+              </a:rPr>
+              <a:t>칸</a:t>
+            </a:r>
+            <a:endParaRPr lang="ko-KR" altLang="en-US" sz="1000">
+              <a:solidFill>
+                <a:schemeClr val="bg1"/>
+              </a:solidFill>
+            </a:endParaRPr>
+          </a:p>
+        </p:txBody>
+      </p:sp>
+      <p:sp>
+        <p:nvSpPr>
+          <p:cNvPr id="31" name="TextBox 30"/>
+          <p:cNvSpPr txBox="1"/>
+          <p:nvPr/>
+        </p:nvSpPr>
+        <p:spPr>
+          <a:xfrm>
+            <a:off x="5670096" y="1725915"/>
+            <a:ext cx="813043" cy="246221"/>
+          </a:xfrm>
+          <a:prstGeom prst="rect">
+            <a:avLst/>
+          </a:prstGeom>
+          <a:noFill/>
+        </p:spPr>
+        <p:txBody>
+          <a:bodyPr wrap="none" rtlCol="0">
+            <a:spAutoFit/>
+          </a:bodyPr>
+          <a:lstStyle/>
+          <a:p>
+            <a:pPr algn="ctr"/>
+            <a:r>
+              <a:rPr lang="ko-KR" altLang="en-US" sz="1000" smtClean="0">
+                <a:solidFill>
+                  <a:schemeClr val="bg1"/>
+                </a:solidFill>
+              </a:rPr>
+              <a:t>대각선 </a:t>
+            </a:r>
+            <a:r>
+              <a:rPr lang="en-US" altLang="ko-KR" sz="1000" smtClean="0">
+                <a:solidFill>
+                  <a:schemeClr val="bg1"/>
+                </a:solidFill>
+              </a:rPr>
+              <a:t>1</a:t>
+            </a:r>
+            <a:r>
+              <a:rPr lang="ko-KR" altLang="en-US" sz="1000" smtClean="0">
+                <a:solidFill>
+                  <a:schemeClr val="bg1"/>
+                </a:solidFill>
+              </a:rPr>
+              <a:t>칸</a:t>
+            </a:r>
+            <a:endParaRPr lang="ko-KR" altLang="en-US" sz="1000">
+              <a:solidFill>
+                <a:schemeClr val="bg1"/>
+              </a:solidFill>
+            </a:endParaRPr>
+          </a:p>
+        </p:txBody>
+      </p:sp>
+      <p:sp>
+        <p:nvSpPr>
+          <p:cNvPr id="32" name="TextBox 31"/>
+          <p:cNvSpPr txBox="1"/>
+          <p:nvPr/>
+        </p:nvSpPr>
+        <p:spPr>
+          <a:xfrm>
+            <a:off x="5577124" y="2231251"/>
+            <a:ext cx="998992" cy="246221"/>
+          </a:xfrm>
+          <a:prstGeom prst="rect">
+            <a:avLst/>
+          </a:prstGeom>
+          <a:noFill/>
+        </p:spPr>
+        <p:txBody>
+          <a:bodyPr wrap="none" rtlCol="0">
+            <a:spAutoFit/>
+          </a:bodyPr>
+          <a:lstStyle/>
+          <a:p>
+            <a:pPr algn="ctr"/>
+            <a:r>
+              <a:rPr lang="ko-KR" altLang="en-US" sz="1000" smtClean="0">
+                <a:solidFill>
+                  <a:schemeClr val="bg1"/>
+                </a:solidFill>
+              </a:rPr>
+              <a:t>상하좌우 직선</a:t>
+            </a:r>
+            <a:endParaRPr lang="ko-KR" altLang="en-US" sz="1000">
+              <a:solidFill>
+                <a:schemeClr val="bg1"/>
+              </a:solidFill>
+            </a:endParaRPr>
+          </a:p>
+        </p:txBody>
+      </p:sp>
+      <p:sp>
+        <p:nvSpPr>
+          <p:cNvPr id="33" name="TextBox 32"/>
+          <p:cNvSpPr txBox="1"/>
+          <p:nvPr/>
+        </p:nvSpPr>
+        <p:spPr>
+          <a:xfrm>
+            <a:off x="5060955" y="2737832"/>
+            <a:ext cx="2031325" cy="553998"/>
+          </a:xfrm>
+          <a:prstGeom prst="rect">
+            <a:avLst/>
+          </a:prstGeom>
+          <a:noFill/>
+        </p:spPr>
+        <p:txBody>
+          <a:bodyPr wrap="none" rtlCol="0">
+            <a:spAutoFit/>
+          </a:bodyPr>
+          <a:lstStyle/>
+          <a:p>
+            <a:pPr algn="ctr"/>
+            <a:r>
+              <a:rPr lang="ko-KR" altLang="en-US" sz="1000" smtClean="0">
+                <a:solidFill>
+                  <a:schemeClr val="bg1"/>
+                </a:solidFill>
+              </a:rPr>
+              <a:t>블록마다 공격하는 범위가 모두 </a:t>
+            </a:r>
+            <a:endParaRPr lang="en-US" altLang="ko-KR" sz="1000" smtClean="0">
+              <a:solidFill>
+                <a:schemeClr val="bg1"/>
+              </a:solidFill>
+            </a:endParaRPr>
+          </a:p>
+          <a:p>
+            <a:pPr algn="ctr"/>
+            <a:r>
+              <a:rPr lang="ko-KR" altLang="en-US" sz="1000" smtClean="0">
+                <a:solidFill>
+                  <a:schemeClr val="bg1"/>
+                </a:solidFill>
+              </a:rPr>
+              <a:t>다릅니다</a:t>
+            </a:r>
+            <a:r>
+              <a:rPr lang="en-US" altLang="ko-KR" sz="1000" smtClean="0">
+                <a:solidFill>
+                  <a:schemeClr val="bg1"/>
+                </a:solidFill>
+              </a:rPr>
+              <a:t>!</a:t>
+            </a:r>
+          </a:p>
+          <a:p>
+            <a:pPr algn="ctr"/>
+            <a:r>
+              <a:rPr lang="ko-KR" altLang="en-US" sz="1000" smtClean="0">
+                <a:solidFill>
+                  <a:schemeClr val="bg1"/>
+                </a:solidFill>
+              </a:rPr>
+              <a:t>전략적으로 블록을 배치하세요</a:t>
+            </a:r>
+            <a:r>
+              <a:rPr lang="en-US" altLang="ko-KR" sz="1000" smtClean="0">
+                <a:solidFill>
+                  <a:schemeClr val="bg1"/>
+                </a:solidFill>
+              </a:rPr>
+              <a:t>!</a:t>
+            </a:r>
+            <a:endParaRPr lang="ko-KR" altLang="en-US" sz="1000">
+              <a:solidFill>
+                <a:schemeClr val="bg1"/>
+              </a:solidFill>
+            </a:endParaRPr>
           </a:p>
         </p:txBody>
       </p:sp>
@@ -9155,7 +10377,7 @@
         </p:blipFill>
         <p:spPr bwMode="auto">
           <a:xfrm>
-            <a:off x="106774" y="440402"/>
+            <a:off x="2452149" y="440402"/>
             <a:ext cx="2232955" cy="4590228"/>
           </a:xfrm>
           <a:prstGeom prst="rect">
@@ -9173,9 +10395,269 @@
           </a:extLst>
         </p:spPr>
       </p:pic>
+      <p:sp>
+        <p:nvSpPr>
+          <p:cNvPr id="6" name="직사각형 5"/>
+          <p:cNvSpPr/>
+          <p:nvPr/>
+        </p:nvSpPr>
+        <p:spPr>
+          <a:xfrm>
+            <a:off x="2452149" y="2931790"/>
+            <a:ext cx="2232955" cy="504056"/>
+          </a:xfrm>
+          <a:prstGeom prst="rect">
+            <a:avLst/>
+          </a:prstGeom>
+          <a:solidFill>
+            <a:schemeClr val="dk1">
+              <a:alpha val="80000"/>
+            </a:schemeClr>
+          </a:solidFill>
+          <a:ln>
+            <a:noFill/>
+          </a:ln>
+        </p:spPr>
+        <p:style>
+          <a:lnRef idx="2">
+            <a:schemeClr val="dk1">
+              <a:shade val="50000"/>
+            </a:schemeClr>
+          </a:lnRef>
+          <a:fillRef idx="1">
+            <a:schemeClr val="dk1"/>
+          </a:fillRef>
+          <a:effectRef idx="0">
+            <a:schemeClr val="dk1"/>
+          </a:effectRef>
+          <a:fontRef idx="minor">
+            <a:schemeClr val="lt1"/>
+          </a:fontRef>
+        </p:style>
+        <p:txBody>
+          <a:bodyPr rtlCol="0" anchor="ctr"/>
+          <a:lstStyle/>
+          <a:p>
+            <a:pPr algn="ctr"/>
+            <a:endParaRPr lang="ko-KR" altLang="en-US"/>
+          </a:p>
+        </p:txBody>
+      </p:sp>
+      <p:sp>
+        <p:nvSpPr>
+          <p:cNvPr id="7" name="TextBox 6"/>
+          <p:cNvSpPr txBox="1"/>
+          <p:nvPr/>
+        </p:nvSpPr>
+        <p:spPr>
+          <a:xfrm>
+            <a:off x="2434069" y="3060707"/>
+            <a:ext cx="2279791" cy="246221"/>
+          </a:xfrm>
+          <a:prstGeom prst="rect">
+            <a:avLst/>
+          </a:prstGeom>
+          <a:noFill/>
+        </p:spPr>
+        <p:txBody>
+          <a:bodyPr wrap="none" rtlCol="0">
+            <a:spAutoFit/>
+          </a:bodyPr>
+          <a:lstStyle/>
+          <a:p>
+            <a:r>
+              <a:rPr lang="ko-KR" altLang="en-US" sz="1000" smtClean="0">
+                <a:solidFill>
+                  <a:schemeClr val="bg1"/>
+                </a:solidFill>
+              </a:rPr>
+              <a:t>퍼즐을 완료하고 스킬을 획득하세요</a:t>
+            </a:r>
+            <a:r>
+              <a:rPr lang="en-US" altLang="ko-KR" sz="1000" smtClean="0">
+                <a:solidFill>
+                  <a:schemeClr val="bg1"/>
+                </a:solidFill>
+              </a:rPr>
+              <a:t>!</a:t>
+            </a:r>
+            <a:endParaRPr lang="ko-KR" altLang="en-US" sz="1000">
+              <a:solidFill>
+                <a:schemeClr val="bg1"/>
+              </a:solidFill>
+            </a:endParaRPr>
+          </a:p>
+        </p:txBody>
+      </p:sp>
       <p:pic>
         <p:nvPicPr>
-          <p:cNvPr id="1028" name="Picture 4" descr="C:\Users\Rivers\Desktop\55db461e9e.png"/>
+          <p:cNvPr id="8" name="Picture 3" descr="C:\Users\Rivers\Desktop\KakaoTalk_20190304_163312877.jpg"/>
+          <p:cNvPicPr>
+            <a:picLocks noChangeAspect="1" noChangeArrowheads="1"/>
+          </p:cNvPicPr>
+          <p:nvPr/>
+        </p:nvPicPr>
+        <p:blipFill>
+          <a:blip r:embed="rId2">
+            <a:extLst>
+              <a:ext uri="{28A0092B-C50C-407E-A947-70E740481C1C}">
+                <a14:useLocalDpi xmlns:a14="http://schemas.microsoft.com/office/drawing/2010/main" val="0"/>
+              </a:ext>
+            </a:extLst>
+          </a:blip>
+          <a:srcRect/>
+          <a:stretch>
+            <a:fillRect/>
+          </a:stretch>
+        </p:blipFill>
+        <p:spPr bwMode="auto">
+          <a:xfrm>
+            <a:off x="108382" y="440402"/>
+            <a:ext cx="2232955" cy="4590228"/>
+          </a:xfrm>
+          <a:prstGeom prst="rect">
+            <a:avLst/>
+          </a:prstGeom>
+          <a:noFill/>
+          <a:extLst>
+            <a:ext uri="{909E8E84-426E-40DD-AFC4-6F175D3DCCD1}">
+              <a14:hiddenFill xmlns:a14="http://schemas.microsoft.com/office/drawing/2010/main">
+                <a:solidFill>
+                  <a:srgbClr val="FFFFFF"/>
+                </a:solidFill>
+              </a14:hiddenFill>
+            </a:ext>
+          </a:extLst>
+        </p:spPr>
+      </p:pic>
+      <p:sp>
+        <p:nvSpPr>
+          <p:cNvPr id="9" name="직사각형 8"/>
+          <p:cNvSpPr/>
+          <p:nvPr/>
+        </p:nvSpPr>
+        <p:spPr>
+          <a:xfrm>
+            <a:off x="108382" y="2904476"/>
+            <a:ext cx="2232955" cy="504056"/>
+          </a:xfrm>
+          <a:prstGeom prst="rect">
+            <a:avLst/>
+          </a:prstGeom>
+          <a:solidFill>
+            <a:schemeClr val="dk1">
+              <a:alpha val="80000"/>
+            </a:schemeClr>
+          </a:solidFill>
+          <a:ln>
+            <a:noFill/>
+          </a:ln>
+        </p:spPr>
+        <p:style>
+          <a:lnRef idx="2">
+            <a:schemeClr val="dk1">
+              <a:shade val="50000"/>
+            </a:schemeClr>
+          </a:lnRef>
+          <a:fillRef idx="1">
+            <a:schemeClr val="dk1"/>
+          </a:fillRef>
+          <a:effectRef idx="0">
+            <a:schemeClr val="dk1"/>
+          </a:effectRef>
+          <a:fontRef idx="minor">
+            <a:schemeClr val="lt1"/>
+          </a:fontRef>
+        </p:style>
+        <p:txBody>
+          <a:bodyPr rtlCol="0" anchor="ctr"/>
+          <a:lstStyle/>
+          <a:p>
+            <a:pPr algn="ctr"/>
+            <a:endParaRPr lang="ko-KR" altLang="en-US"/>
+          </a:p>
+        </p:txBody>
+      </p:sp>
+      <p:sp>
+        <p:nvSpPr>
+          <p:cNvPr id="10" name="TextBox 9"/>
+          <p:cNvSpPr txBox="1"/>
+          <p:nvPr/>
+        </p:nvSpPr>
+        <p:spPr>
+          <a:xfrm>
+            <a:off x="273316" y="2956449"/>
+            <a:ext cx="1903085" cy="400110"/>
+          </a:xfrm>
+          <a:prstGeom prst="rect">
+            <a:avLst/>
+          </a:prstGeom>
+          <a:noFill/>
+        </p:spPr>
+        <p:txBody>
+          <a:bodyPr wrap="none" rtlCol="0">
+            <a:spAutoFit/>
+          </a:bodyPr>
+          <a:lstStyle/>
+          <a:p>
+            <a:r>
+              <a:rPr lang="ko-KR" altLang="en-US" sz="1000" smtClean="0">
+                <a:solidFill>
+                  <a:schemeClr val="bg1"/>
+                </a:solidFill>
+              </a:rPr>
+              <a:t>스킬을 사용하면 쉽게 퍼즐을 </a:t>
+            </a:r>
+            <a:endParaRPr lang="en-US" altLang="ko-KR" sz="1000" smtClean="0">
+              <a:solidFill>
+                <a:schemeClr val="bg1"/>
+              </a:solidFill>
+            </a:endParaRPr>
+          </a:p>
+          <a:p>
+            <a:r>
+              <a:rPr lang="ko-KR" altLang="en-US" sz="1000" smtClean="0">
+                <a:solidFill>
+                  <a:schemeClr val="bg1"/>
+                </a:solidFill>
+              </a:rPr>
+              <a:t>해결</a:t>
+            </a:r>
+            <a:r>
+              <a:rPr lang="ko-KR" altLang="en-US" sz="1000">
+                <a:solidFill>
+                  <a:schemeClr val="bg1"/>
+                </a:solidFill>
+              </a:rPr>
+              <a:t>할</a:t>
+            </a:r>
+            <a:r>
+              <a:rPr lang="ko-KR" altLang="en-US" sz="1000" smtClean="0">
+                <a:solidFill>
+                  <a:schemeClr val="bg1"/>
+                </a:solidFill>
+              </a:rPr>
+              <a:t> 수 있습니다</a:t>
+            </a:r>
+            <a:r>
+              <a:rPr lang="en-US" altLang="ko-KR" sz="1000" smtClean="0">
+                <a:solidFill>
+                  <a:schemeClr val="bg1"/>
+                </a:solidFill>
+              </a:rPr>
+              <a:t>!</a:t>
+            </a:r>
+            <a:endParaRPr lang="ko-KR" altLang="en-US" sz="1000">
+              <a:solidFill>
+                <a:schemeClr val="bg1"/>
+              </a:solidFill>
+            </a:endParaRPr>
+          </a:p>
+        </p:txBody>
+      </p:sp>
+      <p:pic>
+        <p:nvPicPr>
+          <p:cNvPr id="14" name="Picture 4" descr="C:\Users\Rivers\Desktop\55db461e9e.png"/>
           <p:cNvPicPr>
             <a:picLocks noChangeAspect="1" noChangeArrowheads="1"/>
           </p:cNvPicPr>
@@ -9196,7 +10678,7 @@
         </p:blipFill>
         <p:spPr bwMode="auto">
           <a:xfrm rot="8100000">
-            <a:off x="250610" y="3426050"/>
+            <a:off x="323063" y="3514151"/>
             <a:ext cx="648072" cy="648072"/>
           </a:xfrm>
           <a:prstGeom prst="rect">
@@ -9216,22 +10698,20 @@
       </p:pic>
       <p:sp>
         <p:nvSpPr>
-          <p:cNvPr id="6" name="직사각형 5"/>
+          <p:cNvPr id="15" name="아래쪽 화살표 14"/>
           <p:cNvSpPr/>
           <p:nvPr/>
         </p:nvSpPr>
         <p:spPr>
-          <a:xfrm>
-            <a:off x="106774" y="2680730"/>
-            <a:ext cx="2232955" cy="504056"/>
-          </a:xfrm>
-          <a:prstGeom prst="rect">
+          <a:xfrm rot="16200000">
+            <a:off x="4293607" y="4604387"/>
+            <a:ext cx="376139" cy="360040"/>
+          </a:xfrm>
+          <a:prstGeom prst="downArrow">
             <a:avLst/>
           </a:prstGeom>
           <a:solidFill>
-            <a:schemeClr val="dk1">
-              <a:alpha val="80000"/>
-            </a:schemeClr>
+            <a:schemeClr val="bg1"/>
           </a:solidFill>
           <a:ln>
             <a:noFill/>
@@ -9239,15 +10719,15 @@
         </p:spPr>
         <p:style>
           <a:lnRef idx="2">
-            <a:schemeClr val="dk1">
+            <a:schemeClr val="accent1">
               <a:shade val="50000"/>
             </a:schemeClr>
           </a:lnRef>
           <a:fillRef idx="1">
-            <a:schemeClr val="dk1"/>
+            <a:schemeClr val="accent1"/>
           </a:fillRef>
           <a:effectRef idx="0">
-            <a:schemeClr val="dk1"/>
+            <a:schemeClr val="accent1"/>
           </a:effectRef>
           <a:fontRef idx="minor">
             <a:schemeClr val="lt1"/>
@@ -9264,47 +10744,47 @@
       </p:sp>
       <p:sp>
         <p:nvSpPr>
-          <p:cNvPr id="7" name="TextBox 6"/>
-          <p:cNvSpPr txBox="1"/>
+          <p:cNvPr id="16" name="아래쪽 화살표 15"/>
+          <p:cNvSpPr/>
           <p:nvPr/>
         </p:nvSpPr>
         <p:spPr>
-          <a:xfrm>
-            <a:off x="88694" y="2809647"/>
-            <a:ext cx="2279791" cy="246221"/>
-          </a:xfrm>
-          <a:prstGeom prst="rect">
-            <a:avLst/>
-          </a:prstGeom>
-          <a:noFill/>
-        </p:spPr>
-        <p:txBody>
-          <a:bodyPr wrap="none" rtlCol="0">
-            <a:spAutoFit/>
-          </a:bodyPr>
+          <a:xfrm rot="16200000">
+            <a:off x="1908251" y="4609692"/>
+            <a:ext cx="376139" cy="360040"/>
+          </a:xfrm>
+          <a:prstGeom prst="downArrow">
+            <a:avLst/>
+          </a:prstGeom>
+          <a:solidFill>
+            <a:schemeClr val="bg1"/>
+          </a:solidFill>
+          <a:ln>
+            <a:noFill/>
+          </a:ln>
+        </p:spPr>
+        <p:style>
+          <a:lnRef idx="2">
+            <a:schemeClr val="accent1">
+              <a:shade val="50000"/>
+            </a:schemeClr>
+          </a:lnRef>
+          <a:fillRef idx="1">
+            <a:schemeClr val="accent1"/>
+          </a:fillRef>
+          <a:effectRef idx="0">
+            <a:schemeClr val="accent1"/>
+          </a:effectRef>
+          <a:fontRef idx="minor">
+            <a:schemeClr val="lt1"/>
+          </a:fontRef>
+        </p:style>
+        <p:txBody>
+          <a:bodyPr rtlCol="0" anchor="ctr"/>
           <a:lstStyle/>
           <a:p>
-            <a:r>
-              <a:rPr lang="ko-KR" altLang="en-US" sz="1000" smtClean="0">
-                <a:solidFill>
-                  <a:schemeClr val="bg1"/>
-                </a:solidFill>
-              </a:rPr>
-              <a:t>퍼즐을 완료하고 스킬을 획득하세요</a:t>
-            </a:r>
-            <a:r>
-              <a:rPr lang="en-US" altLang="ko-KR" sz="1000" smtClean="0">
-                <a:solidFill>
-                  <a:schemeClr val="bg1"/>
-                </a:solidFill>
-              </a:rPr>
-              <a:t>!</a:t>
-            </a:r>
-            <a:endParaRPr lang="ko-KR" altLang="en-US" sz="1000">
-              <a:solidFill>
-                <a:schemeClr val="bg1"/>
-              </a:solidFill>
-            </a:endParaRPr>
+            <a:pPr algn="ctr"/>
+            <a:endParaRPr lang="ko-KR" altLang="en-US"/>
           </a:p>
         </p:txBody>
       </p:sp>

--- a/기획서/Slide Puzzle Battle Tutorial.pptx
+++ b/기획서/Slide Puzzle Battle Tutorial.pptx
@@ -4,6 +4,9 @@
   <p:sldMasterIdLst>
     <p:sldMasterId id="2147483648" r:id="rId1"/>
   </p:sldMasterIdLst>
+  <p:notesMasterIdLst>
+    <p:notesMasterId r:id="rId9"/>
+  </p:notesMasterIdLst>
   <p:sldIdLst>
     <p:sldId id="256" r:id="rId2"/>
     <p:sldId id="259" r:id="rId3"/>
@@ -111,6 +114,440 @@
     </a:lvl9pPr>
   </p:defaultTextStyle>
 </p:presentation>
+</file>
+
+<file path=ppt/notesMasters/notesMaster1.xml><?xml version="1.0" encoding="utf-8"?>
+<p:notesMaster xmlns:a="http://schemas.openxmlformats.org/drawingml/2006/main" xmlns:r="http://schemas.openxmlformats.org/officeDocument/2006/relationships" xmlns:p="http://schemas.openxmlformats.org/presentationml/2006/main">
+  <p:cSld>
+    <p:bg>
+      <p:bgRef idx="1001">
+        <a:schemeClr val="bg1"/>
+      </p:bgRef>
+    </p:bg>
+    <p:spTree>
+      <p:nvGrpSpPr>
+        <p:cNvPr id="1" name=""/>
+        <p:cNvGrpSpPr/>
+        <p:nvPr/>
+      </p:nvGrpSpPr>
+      <p:grpSpPr>
+        <a:xfrm>
+          <a:off x="0" y="0"/>
+          <a:ext cx="0" cy="0"/>
+          <a:chOff x="0" y="0"/>
+          <a:chExt cx="0" cy="0"/>
+        </a:xfrm>
+      </p:grpSpPr>
+      <p:sp>
+        <p:nvSpPr>
+          <p:cNvPr id="2" name="머리글 개체 틀 1"/>
+          <p:cNvSpPr>
+            <a:spLocks noGrp="1"/>
+          </p:cNvSpPr>
+          <p:nvPr>
+            <p:ph type="hdr" sz="quarter"/>
+          </p:nvPr>
+        </p:nvSpPr>
+        <p:spPr>
+          <a:xfrm>
+            <a:off x="0" y="0"/>
+            <a:ext cx="2971800" cy="457200"/>
+          </a:xfrm>
+          <a:prstGeom prst="rect">
+            <a:avLst/>
+          </a:prstGeom>
+        </p:spPr>
+        <p:txBody>
+          <a:bodyPr vert="horz" lIns="91440" tIns="45720" rIns="91440" bIns="45720" rtlCol="0"/>
+          <a:lstStyle>
+            <a:lvl1pPr algn="l">
+              <a:defRPr sz="1200"/>
+            </a:lvl1pPr>
+          </a:lstStyle>
+          <a:p>
+            <a:endParaRPr lang="ko-KR" altLang="en-US"/>
+          </a:p>
+        </p:txBody>
+      </p:sp>
+      <p:sp>
+        <p:nvSpPr>
+          <p:cNvPr id="3" name="날짜 개체 틀 2"/>
+          <p:cNvSpPr>
+            <a:spLocks noGrp="1"/>
+          </p:cNvSpPr>
+          <p:nvPr>
+            <p:ph type="dt" idx="1"/>
+          </p:nvPr>
+        </p:nvSpPr>
+        <p:spPr>
+          <a:xfrm>
+            <a:off x="3884613" y="0"/>
+            <a:ext cx="2971800" cy="457200"/>
+          </a:xfrm>
+          <a:prstGeom prst="rect">
+            <a:avLst/>
+          </a:prstGeom>
+        </p:spPr>
+        <p:txBody>
+          <a:bodyPr vert="horz" lIns="91440" tIns="45720" rIns="91440" bIns="45720" rtlCol="0"/>
+          <a:lstStyle>
+            <a:lvl1pPr algn="r">
+              <a:defRPr sz="1200"/>
+            </a:lvl1pPr>
+          </a:lstStyle>
+          <a:p>
+            <a:fld id="{ACD9FAAF-C130-4805-8CC5-4C1D0C3414B6}" type="datetimeFigureOut">
+              <a:rPr lang="ko-KR" altLang="en-US" smtClean="0"/>
+              <a:t>2019-03-05</a:t>
+            </a:fld>
+            <a:endParaRPr lang="ko-KR" altLang="en-US"/>
+          </a:p>
+        </p:txBody>
+      </p:sp>
+      <p:sp>
+        <p:nvSpPr>
+          <p:cNvPr id="4" name="슬라이드 이미지 개체 틀 3"/>
+          <p:cNvSpPr>
+            <a:spLocks noGrp="1" noRot="1" noChangeAspect="1"/>
+          </p:cNvSpPr>
+          <p:nvPr>
+            <p:ph type="sldImg" idx="2"/>
+          </p:nvPr>
+        </p:nvSpPr>
+        <p:spPr>
+          <a:xfrm>
+            <a:off x="381000" y="685800"/>
+            <a:ext cx="6096000" cy="3429000"/>
+          </a:xfrm>
+          <a:prstGeom prst="rect">
+            <a:avLst/>
+          </a:prstGeom>
+          <a:noFill/>
+          <a:ln w="12700">
+            <a:solidFill>
+              <a:prstClr val="black"/>
+            </a:solidFill>
+          </a:ln>
+        </p:spPr>
+        <p:txBody>
+          <a:bodyPr vert="horz" lIns="91440" tIns="45720" rIns="91440" bIns="45720" rtlCol="0" anchor="ctr"/>
+          <a:lstStyle/>
+          <a:p>
+            <a:endParaRPr lang="ko-KR" altLang="en-US"/>
+          </a:p>
+        </p:txBody>
+      </p:sp>
+      <p:sp>
+        <p:nvSpPr>
+          <p:cNvPr id="5" name="슬라이드 노트 개체 틀 4"/>
+          <p:cNvSpPr>
+            <a:spLocks noGrp="1"/>
+          </p:cNvSpPr>
+          <p:nvPr>
+            <p:ph type="body" sz="quarter" idx="3"/>
+          </p:nvPr>
+        </p:nvSpPr>
+        <p:spPr>
+          <a:xfrm>
+            <a:off x="685800" y="4343400"/>
+            <a:ext cx="5486400" cy="4114800"/>
+          </a:xfrm>
+          <a:prstGeom prst="rect">
+            <a:avLst/>
+          </a:prstGeom>
+        </p:spPr>
+        <p:txBody>
+          <a:bodyPr vert="horz" lIns="91440" tIns="45720" rIns="91440" bIns="45720" rtlCol="0"/>
+          <a:lstStyle/>
+          <a:p>
+            <a:pPr lvl="0"/>
+            <a:r>
+              <a:rPr lang="ko-KR" altLang="en-US" smtClean="0"/>
+              <a:t>마스터 텍스트 스타일을 편집합니다</a:t>
+            </a:r>
+          </a:p>
+          <a:p>
+            <a:pPr lvl="1"/>
+            <a:r>
+              <a:rPr lang="ko-KR" altLang="en-US" smtClean="0"/>
+              <a:t>둘째 수준</a:t>
+            </a:r>
+          </a:p>
+          <a:p>
+            <a:pPr lvl="2"/>
+            <a:r>
+              <a:rPr lang="ko-KR" altLang="en-US" smtClean="0"/>
+              <a:t>셋째 수준</a:t>
+            </a:r>
+          </a:p>
+          <a:p>
+            <a:pPr lvl="3"/>
+            <a:r>
+              <a:rPr lang="ko-KR" altLang="en-US" smtClean="0"/>
+              <a:t>넷째 수준</a:t>
+            </a:r>
+          </a:p>
+          <a:p>
+            <a:pPr lvl="4"/>
+            <a:r>
+              <a:rPr lang="ko-KR" altLang="en-US" smtClean="0"/>
+              <a:t>다섯째 수준</a:t>
+            </a:r>
+            <a:endParaRPr lang="ko-KR" altLang="en-US"/>
+          </a:p>
+        </p:txBody>
+      </p:sp>
+      <p:sp>
+        <p:nvSpPr>
+          <p:cNvPr id="6" name="바닥글 개체 틀 5"/>
+          <p:cNvSpPr>
+            <a:spLocks noGrp="1"/>
+          </p:cNvSpPr>
+          <p:nvPr>
+            <p:ph type="ftr" sz="quarter" idx="4"/>
+          </p:nvPr>
+        </p:nvSpPr>
+        <p:spPr>
+          <a:xfrm>
+            <a:off x="0" y="8685213"/>
+            <a:ext cx="2971800" cy="457200"/>
+          </a:xfrm>
+          <a:prstGeom prst="rect">
+            <a:avLst/>
+          </a:prstGeom>
+        </p:spPr>
+        <p:txBody>
+          <a:bodyPr vert="horz" lIns="91440" tIns="45720" rIns="91440" bIns="45720" rtlCol="0" anchor="b"/>
+          <a:lstStyle>
+            <a:lvl1pPr algn="l">
+              <a:defRPr sz="1200"/>
+            </a:lvl1pPr>
+          </a:lstStyle>
+          <a:p>
+            <a:endParaRPr lang="ko-KR" altLang="en-US"/>
+          </a:p>
+        </p:txBody>
+      </p:sp>
+      <p:sp>
+        <p:nvSpPr>
+          <p:cNvPr id="7" name="슬라이드 번호 개체 틀 6"/>
+          <p:cNvSpPr>
+            <a:spLocks noGrp="1"/>
+          </p:cNvSpPr>
+          <p:nvPr>
+            <p:ph type="sldNum" sz="quarter" idx="5"/>
+          </p:nvPr>
+        </p:nvSpPr>
+        <p:spPr>
+          <a:xfrm>
+            <a:off x="3884613" y="8685213"/>
+            <a:ext cx="2971800" cy="457200"/>
+          </a:xfrm>
+          <a:prstGeom prst="rect">
+            <a:avLst/>
+          </a:prstGeom>
+        </p:spPr>
+        <p:txBody>
+          <a:bodyPr vert="horz" lIns="91440" tIns="45720" rIns="91440" bIns="45720" rtlCol="0" anchor="b"/>
+          <a:lstStyle>
+            <a:lvl1pPr algn="r">
+              <a:defRPr sz="1200"/>
+            </a:lvl1pPr>
+          </a:lstStyle>
+          <a:p>
+            <a:fld id="{4813791E-2E5F-4D66-AD02-B2543E22B48B}" type="slidenum">
+              <a:rPr lang="ko-KR" altLang="en-US" smtClean="0"/>
+              <a:t>‹#›</a:t>
+            </a:fld>
+            <a:endParaRPr lang="ko-KR" altLang="en-US"/>
+          </a:p>
+        </p:txBody>
+      </p:sp>
+    </p:spTree>
+    <p:extLst>
+      <p:ext uri="{BB962C8B-B14F-4D97-AF65-F5344CB8AC3E}">
+        <p14:creationId xmlns:p14="http://schemas.microsoft.com/office/powerpoint/2010/main" val="1930829678"/>
+      </p:ext>
+    </p:extLst>
+  </p:cSld>
+  <p:clrMap bg1="lt1" tx1="dk1" bg2="lt2" tx2="dk2" accent1="accent1" accent2="accent2" accent3="accent3" accent4="accent4" accent5="accent5" accent6="accent6" hlink="hlink" folHlink="folHlink"/>
+  <p:notesStyle>
+    <a:lvl1pPr marL="0" algn="l" defTabSz="914400" rtl="0" eaLnBrk="1" latinLnBrk="1" hangingPunct="1">
+      <a:defRPr sz="1200" kern="1200">
+        <a:solidFill>
+          <a:schemeClr val="tx1"/>
+        </a:solidFill>
+        <a:latin typeface="+mn-lt"/>
+        <a:ea typeface="+mn-ea"/>
+        <a:cs typeface="+mn-cs"/>
+      </a:defRPr>
+    </a:lvl1pPr>
+    <a:lvl2pPr marL="457200" algn="l" defTabSz="914400" rtl="0" eaLnBrk="1" latinLnBrk="1" hangingPunct="1">
+      <a:defRPr sz="1200" kern="1200">
+        <a:solidFill>
+          <a:schemeClr val="tx1"/>
+        </a:solidFill>
+        <a:latin typeface="+mn-lt"/>
+        <a:ea typeface="+mn-ea"/>
+        <a:cs typeface="+mn-cs"/>
+      </a:defRPr>
+    </a:lvl2pPr>
+    <a:lvl3pPr marL="914400" algn="l" defTabSz="914400" rtl="0" eaLnBrk="1" latinLnBrk="1" hangingPunct="1">
+      <a:defRPr sz="1200" kern="1200">
+        <a:solidFill>
+          <a:schemeClr val="tx1"/>
+        </a:solidFill>
+        <a:latin typeface="+mn-lt"/>
+        <a:ea typeface="+mn-ea"/>
+        <a:cs typeface="+mn-cs"/>
+      </a:defRPr>
+    </a:lvl3pPr>
+    <a:lvl4pPr marL="1371600" algn="l" defTabSz="914400" rtl="0" eaLnBrk="1" latinLnBrk="1" hangingPunct="1">
+      <a:defRPr sz="1200" kern="1200">
+        <a:solidFill>
+          <a:schemeClr val="tx1"/>
+        </a:solidFill>
+        <a:latin typeface="+mn-lt"/>
+        <a:ea typeface="+mn-ea"/>
+        <a:cs typeface="+mn-cs"/>
+      </a:defRPr>
+    </a:lvl4pPr>
+    <a:lvl5pPr marL="1828800" algn="l" defTabSz="914400" rtl="0" eaLnBrk="1" latinLnBrk="1" hangingPunct="1">
+      <a:defRPr sz="1200" kern="1200">
+        <a:solidFill>
+          <a:schemeClr val="tx1"/>
+        </a:solidFill>
+        <a:latin typeface="+mn-lt"/>
+        <a:ea typeface="+mn-ea"/>
+        <a:cs typeface="+mn-cs"/>
+      </a:defRPr>
+    </a:lvl5pPr>
+    <a:lvl6pPr marL="2286000" algn="l" defTabSz="914400" rtl="0" eaLnBrk="1" latinLnBrk="1" hangingPunct="1">
+      <a:defRPr sz="1200" kern="1200">
+        <a:solidFill>
+          <a:schemeClr val="tx1"/>
+        </a:solidFill>
+        <a:latin typeface="+mn-lt"/>
+        <a:ea typeface="+mn-ea"/>
+        <a:cs typeface="+mn-cs"/>
+      </a:defRPr>
+    </a:lvl6pPr>
+    <a:lvl7pPr marL="2743200" algn="l" defTabSz="914400" rtl="0" eaLnBrk="1" latinLnBrk="1" hangingPunct="1">
+      <a:defRPr sz="1200" kern="1200">
+        <a:solidFill>
+          <a:schemeClr val="tx1"/>
+        </a:solidFill>
+        <a:latin typeface="+mn-lt"/>
+        <a:ea typeface="+mn-ea"/>
+        <a:cs typeface="+mn-cs"/>
+      </a:defRPr>
+    </a:lvl7pPr>
+    <a:lvl8pPr marL="3200400" algn="l" defTabSz="914400" rtl="0" eaLnBrk="1" latinLnBrk="1" hangingPunct="1">
+      <a:defRPr sz="1200" kern="1200">
+        <a:solidFill>
+          <a:schemeClr val="tx1"/>
+        </a:solidFill>
+        <a:latin typeface="+mn-lt"/>
+        <a:ea typeface="+mn-ea"/>
+        <a:cs typeface="+mn-cs"/>
+      </a:defRPr>
+    </a:lvl8pPr>
+    <a:lvl9pPr marL="3657600" algn="l" defTabSz="914400" rtl="0" eaLnBrk="1" latinLnBrk="1" hangingPunct="1">
+      <a:defRPr sz="1200" kern="1200">
+        <a:solidFill>
+          <a:schemeClr val="tx1"/>
+        </a:solidFill>
+        <a:latin typeface="+mn-lt"/>
+        <a:ea typeface="+mn-ea"/>
+        <a:cs typeface="+mn-cs"/>
+      </a:defRPr>
+    </a:lvl9pPr>
+  </p:notesStyle>
+</p:notesMaster>
+</file>
+
+<file path=ppt/notesSlides/notesSlide1.xml><?xml version="1.0" encoding="utf-8"?>
+<p:notes xmlns:a="http://schemas.openxmlformats.org/drawingml/2006/main" xmlns:r="http://schemas.openxmlformats.org/officeDocument/2006/relationships" xmlns:p="http://schemas.openxmlformats.org/presentationml/2006/main">
+  <p:cSld>
+    <p:spTree>
+      <p:nvGrpSpPr>
+        <p:cNvPr id="1" name=""/>
+        <p:cNvGrpSpPr/>
+        <p:nvPr/>
+      </p:nvGrpSpPr>
+      <p:grpSpPr>
+        <a:xfrm>
+          <a:off x="0" y="0"/>
+          <a:ext cx="0" cy="0"/>
+          <a:chOff x="0" y="0"/>
+          <a:chExt cx="0" cy="0"/>
+        </a:xfrm>
+      </p:grpSpPr>
+      <p:sp>
+        <p:nvSpPr>
+          <p:cNvPr id="2" name="슬라이드 이미지 개체 틀 1"/>
+          <p:cNvSpPr>
+            <a:spLocks noGrp="1" noRot="1" noChangeAspect="1"/>
+          </p:cNvSpPr>
+          <p:nvPr>
+            <p:ph type="sldImg"/>
+          </p:nvPr>
+        </p:nvSpPr>
+        <p:spPr/>
+      </p:sp>
+      <p:sp>
+        <p:nvSpPr>
+          <p:cNvPr id="3" name="슬라이드 노트 개체 틀 2"/>
+          <p:cNvSpPr>
+            <a:spLocks noGrp="1"/>
+          </p:cNvSpPr>
+          <p:nvPr>
+            <p:ph type="body" idx="1"/>
+          </p:nvPr>
+        </p:nvSpPr>
+        <p:spPr/>
+        <p:txBody>
+          <a:bodyPr/>
+          <a:lstStyle/>
+          <a:p>
+            <a:endParaRPr lang="ko-KR" altLang="en-US" dirty="0"/>
+          </a:p>
+        </p:txBody>
+      </p:sp>
+      <p:sp>
+        <p:nvSpPr>
+          <p:cNvPr id="4" name="슬라이드 번호 개체 틀 3"/>
+          <p:cNvSpPr>
+            <a:spLocks noGrp="1"/>
+          </p:cNvSpPr>
+          <p:nvPr>
+            <p:ph type="sldNum" sz="quarter" idx="10"/>
+          </p:nvPr>
+        </p:nvSpPr>
+        <p:spPr/>
+        <p:txBody>
+          <a:bodyPr/>
+          <a:lstStyle/>
+          <a:p>
+            <a:fld id="{4813791E-2E5F-4D66-AD02-B2543E22B48B}" type="slidenum">
+              <a:rPr lang="ko-KR" altLang="en-US" smtClean="0"/>
+              <a:t>7</a:t>
+            </a:fld>
+            <a:endParaRPr lang="ko-KR" altLang="en-US"/>
+          </a:p>
+        </p:txBody>
+      </p:sp>
+    </p:spTree>
+    <p:extLst>
+      <p:ext uri="{BB962C8B-B14F-4D97-AF65-F5344CB8AC3E}">
+        <p14:creationId xmlns:p14="http://schemas.microsoft.com/office/powerpoint/2010/main" val="3928619136"/>
+      </p:ext>
+    </p:extLst>
+  </p:cSld>
+  <p:clrMapOvr>
+    <a:masterClrMapping/>
+  </p:clrMapOvr>
+</p:notes>
 </file>
 
 <file path=ppt/slideLayouts/slideLayout1.xml><?xml version="1.0" encoding="utf-8"?>
@@ -4385,31 +4822,7 @@
                   <a:schemeClr val="bg1"/>
                 </a:solidFill>
               </a:rPr>
-              <a:t>몬스터는 공격에 </a:t>
-            </a:r>
-            <a:r>
-              <a:rPr lang="ko-KR" altLang="en-US" sz="1000" b="1" smtClean="0">
-                <a:solidFill>
-                  <a:schemeClr val="bg1"/>
-                </a:solidFill>
-              </a:rPr>
-              <a:t>의</a:t>
-            </a:r>
-            <a:r>
-              <a:rPr lang="ko-KR" altLang="en-US" sz="1000" b="1" smtClean="0">
-                <a:solidFill>
-                  <a:schemeClr val="bg1"/>
-                </a:solidFill>
-              </a:rPr>
-              <a:t>해 </a:t>
-            </a:r>
-            <a:r>
-              <a:rPr lang="ko-KR" altLang="en-US" sz="1000" b="1" smtClean="0">
-                <a:solidFill>
-                  <a:schemeClr val="bg1"/>
-                </a:solidFill>
-              </a:rPr>
-              <a:t>체력이 </a:t>
+              <a:t>몬스터는 공격에 의해 체력이 </a:t>
             </a:r>
             <a:endParaRPr lang="en-US" altLang="ko-KR" sz="1000" b="1" smtClean="0">
               <a:solidFill>
@@ -9020,11 +9433,6 @@
               </a:rPr>
               <a:t>!</a:t>
             </a:r>
-            <a:endParaRPr lang="en-US" altLang="ko-KR" sz="1000" b="1" smtClean="0">
-              <a:solidFill>
-                <a:schemeClr val="bg1"/>
-              </a:solidFill>
-            </a:endParaRPr>
           </a:p>
         </p:txBody>
       </p:sp>
@@ -9250,11 +9658,6 @@
               </a:rPr>
               <a:t>!</a:t>
             </a:r>
-            <a:endParaRPr lang="en-US" altLang="ko-KR" sz="1000" b="1" smtClean="0">
-              <a:solidFill>
-                <a:schemeClr val="bg1"/>
-              </a:solidFill>
-            </a:endParaRPr>
           </a:p>
         </p:txBody>
       </p:sp>
@@ -10363,7 +10766,7 @@
           <p:nvPr/>
         </p:nvPicPr>
         <p:blipFill>
-          <a:blip r:embed="rId2">
+          <a:blip r:embed="rId3">
             <a:extLst>
               <a:ext uri="{28A0092B-C50C-407E-A947-70E740481C1C}">
                 <a14:useLocalDpi xmlns:a14="http://schemas.microsoft.com/office/drawing/2010/main" val="0"/>
@@ -10452,7 +10855,7 @@
         <p:spPr>
           <a:xfrm>
             <a:off x="2434069" y="3060707"/>
-            <a:ext cx="2279791" cy="246221"/>
+            <a:ext cx="1811714" cy="246221"/>
           </a:xfrm>
           <a:prstGeom prst="rect">
             <a:avLst/>
@@ -10471,17 +10874,9 @@
                   <a:schemeClr val="bg1"/>
                 </a:solidFill>
               </a:rPr>
-              <a:t>퍼즐을 완료하고 스킬을 획득하세요</a:t>
-            </a:r>
-            <a:r>
-              <a:rPr lang="en-US" altLang="ko-KR" sz="1000" smtClean="0">
-                <a:solidFill>
-                  <a:schemeClr val="bg1"/>
-                </a:solidFill>
-              </a:rPr>
-              <a:t>!</a:t>
-            </a:r>
-            <a:endParaRPr lang="ko-KR" altLang="en-US" sz="1000">
+              <a:t>범위로 넣고 활과 폭탄 타일</a:t>
+            </a:r>
+            <a:endParaRPr lang="ko-KR" altLang="en-US" sz="1000" dirty="0">
               <a:solidFill>
                 <a:schemeClr val="bg1"/>
               </a:solidFill>
@@ -10498,7 +10893,7 @@
           <p:nvPr/>
         </p:nvPicPr>
         <p:blipFill>
-          <a:blip r:embed="rId2">
+          <a:blip r:embed="rId3">
             <a:extLst>
               <a:ext uri="{28A0092B-C50C-407E-A947-70E740481C1C}">
                 <a14:useLocalDpi xmlns:a14="http://schemas.microsoft.com/office/drawing/2010/main" val="0"/>
@@ -10664,7 +11059,7 @@
           <p:nvPr/>
         </p:nvPicPr>
         <p:blipFill>
-          <a:blip r:embed="rId3" cstate="print">
+          <a:blip r:embed="rId4" cstate="print">
             <a:extLst>
               <a:ext uri="{28A0092B-C50C-407E-A947-70E740481C1C}">
                 <a14:useLocalDpi xmlns:a14="http://schemas.microsoft.com/office/drawing/2010/main" val="0"/>
@@ -11089,4 +11484,289 @@
   <a:objectDefaults/>
   <a:extraClrSchemeLst/>
 </a:theme>
+</file>
+
+<file path=ppt/theme/theme2.xml><?xml version="1.0" encoding="utf-8"?>
+<a:theme xmlns:a="http://schemas.openxmlformats.org/drawingml/2006/main" name="Office 테마">
+  <a:themeElements>
+    <a:clrScheme name="Office">
+      <a:dk1>
+        <a:sysClr val="windowText" lastClr="000000"/>
+      </a:dk1>
+      <a:lt1>
+        <a:sysClr val="window" lastClr="FFFFFF"/>
+      </a:lt1>
+      <a:dk2>
+        <a:srgbClr val="1F497D"/>
+      </a:dk2>
+      <a:lt2>
+        <a:srgbClr val="EEECE1"/>
+      </a:lt2>
+      <a:accent1>
+        <a:srgbClr val="4F81BD"/>
+      </a:accent1>
+      <a:accent2>
+        <a:srgbClr val="C0504D"/>
+      </a:accent2>
+      <a:accent3>
+        <a:srgbClr val="9BBB59"/>
+      </a:accent3>
+      <a:accent4>
+        <a:srgbClr val="8064A2"/>
+      </a:accent4>
+      <a:accent5>
+        <a:srgbClr val="4BACC6"/>
+      </a:accent5>
+      <a:accent6>
+        <a:srgbClr val="F79646"/>
+      </a:accent6>
+      <a:hlink>
+        <a:srgbClr val="0000FF"/>
+      </a:hlink>
+      <a:folHlink>
+        <a:srgbClr val="800080"/>
+      </a:folHlink>
+    </a:clrScheme>
+    <a:fontScheme name="Office">
+      <a:majorFont>
+        <a:latin typeface="맑은 고딕"/>
+        <a:ea typeface=""/>
+        <a:cs typeface=""/>
+        <a:font script="Jpan" typeface="ＭＳ Ｐゴシック"/>
+        <a:font script="Hang" typeface="맑은 고딕"/>
+        <a:font script="Hans" typeface="宋体"/>
+        <a:font script="Hant" typeface="新細明體"/>
+        <a:font script="Arab" typeface="Times New Roman"/>
+        <a:font script="Hebr" typeface="Times New Roman"/>
+        <a:font script="Thai" typeface="Angsana New"/>
+        <a:font script="Ethi" typeface="Nyala"/>
+        <a:font script="Beng" typeface="Vrinda"/>
+        <a:font script="Gujr" typeface="Shruti"/>
+        <a:font script="Khmr" typeface="MoolBoran"/>
+        <a:font script="Knda" typeface="Tunga"/>
+        <a:font script="Guru" typeface="Raavi"/>
+        <a:font script="Cans" typeface="Euphemia"/>
+        <a:font script="Cher" typeface="Plantagenet Cherokee"/>
+        <a:font script="Yiii" typeface="Microsoft Yi Baiti"/>
+        <a:font script="Tibt" typeface="Microsoft Himalaya"/>
+        <a:font script="Thaa" typeface="MV Boli"/>
+        <a:font script="Deva" typeface="Mangal"/>
+        <a:font script="Telu" typeface="Gautami"/>
+        <a:font script="Taml" typeface="Latha"/>
+        <a:font script="Syrc" typeface="Estrangelo Edessa"/>
+        <a:font script="Orya" typeface="Kalinga"/>
+        <a:font script="Mlym" typeface="Kartika"/>
+        <a:font script="Laoo" typeface="DokChampa"/>
+        <a:font script="Sinh" typeface="Iskoola Pota"/>
+        <a:font script="Mong" typeface="Mongolian Baiti"/>
+        <a:font script="Viet" typeface="Times New Roman"/>
+        <a:font script="Uigh" typeface="Microsoft Uighur"/>
+        <a:font script="Geor" typeface="Sylfaen"/>
+      </a:majorFont>
+      <a:minorFont>
+        <a:latin typeface="맑은 고딕"/>
+        <a:ea typeface=""/>
+        <a:cs typeface=""/>
+        <a:font script="Jpan" typeface="ＭＳ Ｐゴシック"/>
+        <a:font script="Hang" typeface="맑은 고딕"/>
+        <a:font script="Hans" typeface="宋体"/>
+        <a:font script="Hant" typeface="新細明體"/>
+        <a:font script="Arab" typeface="Arial"/>
+        <a:font script="Hebr" typeface="Arial"/>
+        <a:font script="Thai" typeface="Cordia New"/>
+        <a:font script="Ethi" typeface="Nyala"/>
+        <a:font script="Beng" typeface="Vrinda"/>
+        <a:font script="Gujr" typeface="Shruti"/>
+        <a:font script="Khmr" typeface="DaunPenh"/>
+        <a:font script="Knda" typeface="Tunga"/>
+        <a:font script="Guru" typeface="Raavi"/>
+        <a:font script="Cans" typeface="Euphemia"/>
+        <a:font script="Cher" typeface="Plantagenet Cherokee"/>
+        <a:font script="Yiii" typeface="Microsoft Yi Baiti"/>
+        <a:font script="Tibt" typeface="Microsoft Himalaya"/>
+        <a:font script="Thaa" typeface="MV Boli"/>
+        <a:font script="Deva" typeface="Mangal"/>
+        <a:font script="Telu" typeface="Gautami"/>
+        <a:font script="Taml" typeface="Latha"/>
+        <a:font script="Syrc" typeface="Estrangelo Edessa"/>
+        <a:font script="Orya" typeface="Kalinga"/>
+        <a:font script="Mlym" typeface="Kartika"/>
+        <a:font script="Laoo" typeface="DokChampa"/>
+        <a:font script="Sinh" typeface="Iskoola Pota"/>
+        <a:font script="Mong" typeface="Mongolian Baiti"/>
+        <a:font script="Viet" typeface="Arial"/>
+        <a:font script="Uigh" typeface="Microsoft Uighur"/>
+        <a:font script="Geor" typeface="Sylfaen"/>
+      </a:minorFont>
+    </a:fontScheme>
+    <a:fmtScheme name="Office">
+      <a:fillStyleLst>
+        <a:solidFill>
+          <a:schemeClr val="phClr"/>
+        </a:solidFill>
+        <a:gradFill rotWithShape="1">
+          <a:gsLst>
+            <a:gs pos="0">
+              <a:schemeClr val="phClr">
+                <a:tint val="50000"/>
+                <a:satMod val="300000"/>
+              </a:schemeClr>
+            </a:gs>
+            <a:gs pos="35000">
+              <a:schemeClr val="phClr">
+                <a:tint val="37000"/>
+                <a:satMod val="300000"/>
+              </a:schemeClr>
+            </a:gs>
+            <a:gs pos="100000">
+              <a:schemeClr val="phClr">
+                <a:tint val="15000"/>
+                <a:satMod val="350000"/>
+              </a:schemeClr>
+            </a:gs>
+          </a:gsLst>
+          <a:lin ang="16200000" scaled="1"/>
+        </a:gradFill>
+        <a:gradFill rotWithShape="1">
+          <a:gsLst>
+            <a:gs pos="0">
+              <a:schemeClr val="phClr">
+                <a:shade val="51000"/>
+                <a:satMod val="130000"/>
+              </a:schemeClr>
+            </a:gs>
+            <a:gs pos="80000">
+              <a:schemeClr val="phClr">
+                <a:shade val="93000"/>
+                <a:satMod val="130000"/>
+              </a:schemeClr>
+            </a:gs>
+            <a:gs pos="100000">
+              <a:schemeClr val="phClr">
+                <a:shade val="94000"/>
+                <a:satMod val="135000"/>
+              </a:schemeClr>
+            </a:gs>
+          </a:gsLst>
+          <a:lin ang="16200000" scaled="0"/>
+        </a:gradFill>
+      </a:fillStyleLst>
+      <a:lnStyleLst>
+        <a:ln w="9525" cap="flat" cmpd="sng" algn="ctr">
+          <a:solidFill>
+            <a:schemeClr val="phClr">
+              <a:shade val="95000"/>
+              <a:satMod val="105000"/>
+            </a:schemeClr>
+          </a:solidFill>
+          <a:prstDash val="solid"/>
+        </a:ln>
+        <a:ln w="25400" cap="flat" cmpd="sng" algn="ctr">
+          <a:solidFill>
+            <a:schemeClr val="phClr"/>
+          </a:solidFill>
+          <a:prstDash val="solid"/>
+        </a:ln>
+        <a:ln w="38100" cap="flat" cmpd="sng" algn="ctr">
+          <a:solidFill>
+            <a:schemeClr val="phClr"/>
+          </a:solidFill>
+          <a:prstDash val="solid"/>
+        </a:ln>
+      </a:lnStyleLst>
+      <a:effectStyleLst>
+        <a:effectStyle>
+          <a:effectLst>
+            <a:outerShdw blurRad="40000" dist="20000" dir="5400000" rotWithShape="0">
+              <a:srgbClr val="000000">
+                <a:alpha val="38000"/>
+              </a:srgbClr>
+            </a:outerShdw>
+          </a:effectLst>
+        </a:effectStyle>
+        <a:effectStyle>
+          <a:effectLst>
+            <a:outerShdw blurRad="40000" dist="23000" dir="5400000" rotWithShape="0">
+              <a:srgbClr val="000000">
+                <a:alpha val="35000"/>
+              </a:srgbClr>
+            </a:outerShdw>
+          </a:effectLst>
+        </a:effectStyle>
+        <a:effectStyle>
+          <a:effectLst>
+            <a:outerShdw blurRad="40000" dist="23000" dir="5400000" rotWithShape="0">
+              <a:srgbClr val="000000">
+                <a:alpha val="35000"/>
+              </a:srgbClr>
+            </a:outerShdw>
+          </a:effectLst>
+          <a:scene3d>
+            <a:camera prst="orthographicFront">
+              <a:rot lat="0" lon="0" rev="0"/>
+            </a:camera>
+            <a:lightRig rig="threePt" dir="t">
+              <a:rot lat="0" lon="0" rev="1200000"/>
+            </a:lightRig>
+          </a:scene3d>
+          <a:sp3d>
+            <a:bevelT w="63500" h="25400"/>
+          </a:sp3d>
+        </a:effectStyle>
+      </a:effectStyleLst>
+      <a:bgFillStyleLst>
+        <a:solidFill>
+          <a:schemeClr val="phClr"/>
+        </a:solidFill>
+        <a:gradFill rotWithShape="1">
+          <a:gsLst>
+            <a:gs pos="0">
+              <a:schemeClr val="phClr">
+                <a:tint val="40000"/>
+                <a:satMod val="350000"/>
+              </a:schemeClr>
+            </a:gs>
+            <a:gs pos="40000">
+              <a:schemeClr val="phClr">
+                <a:tint val="45000"/>
+                <a:shade val="99000"/>
+                <a:satMod val="350000"/>
+              </a:schemeClr>
+            </a:gs>
+            <a:gs pos="100000">
+              <a:schemeClr val="phClr">
+                <a:shade val="20000"/>
+                <a:satMod val="255000"/>
+              </a:schemeClr>
+            </a:gs>
+          </a:gsLst>
+          <a:path path="circle">
+            <a:fillToRect l="50000" t="-80000" r="50000" b="180000"/>
+          </a:path>
+        </a:gradFill>
+        <a:gradFill rotWithShape="1">
+          <a:gsLst>
+            <a:gs pos="0">
+              <a:schemeClr val="phClr">
+                <a:tint val="80000"/>
+                <a:satMod val="300000"/>
+              </a:schemeClr>
+            </a:gs>
+            <a:gs pos="100000">
+              <a:schemeClr val="phClr">
+                <a:shade val="30000"/>
+                <a:satMod val="200000"/>
+              </a:schemeClr>
+            </a:gs>
+          </a:gsLst>
+          <a:path path="circle">
+            <a:fillToRect l="50000" t="50000" r="50000" b="50000"/>
+          </a:path>
+        </a:gradFill>
+      </a:bgFillStyleLst>
+    </a:fmtScheme>
+  </a:themeElements>
+  <a:objectDefaults/>
+  <a:extraClrSchemeLst/>
+</a:theme>
 </file>